--- a/Plugin/Documentation/Multi-Altiz Alignment one line.pptx
+++ b/Plugin/Documentation/Multi-Altiz Alignment one line.pptx
@@ -15,22 +15,23 @@
     <p:sldId id="267" r:id="rId9"/>
     <p:sldId id="270" r:id="rId10"/>
     <p:sldId id="283" r:id="rId11"/>
-    <p:sldId id="268" r:id="rId12"/>
-    <p:sldId id="269" r:id="rId13"/>
-    <p:sldId id="271" r:id="rId14"/>
-    <p:sldId id="272" r:id="rId15"/>
-    <p:sldId id="273" r:id="rId16"/>
-    <p:sldId id="274" r:id="rId17"/>
-    <p:sldId id="275" r:id="rId18"/>
-    <p:sldId id="287" r:id="rId19"/>
-    <p:sldId id="276" r:id="rId20"/>
-    <p:sldId id="277" r:id="rId21"/>
-    <p:sldId id="279" r:id="rId22"/>
-    <p:sldId id="260" r:id="rId23"/>
-    <p:sldId id="264" r:id="rId24"/>
-    <p:sldId id="278" r:id="rId25"/>
-    <p:sldId id="281" r:id="rId26"/>
-    <p:sldId id="284" r:id="rId27"/>
+    <p:sldId id="288" r:id="rId12"/>
+    <p:sldId id="268" r:id="rId13"/>
+    <p:sldId id="269" r:id="rId14"/>
+    <p:sldId id="271" r:id="rId15"/>
+    <p:sldId id="272" r:id="rId16"/>
+    <p:sldId id="273" r:id="rId17"/>
+    <p:sldId id="274" r:id="rId18"/>
+    <p:sldId id="275" r:id="rId19"/>
+    <p:sldId id="287" r:id="rId20"/>
+    <p:sldId id="276" r:id="rId21"/>
+    <p:sldId id="277" r:id="rId22"/>
+    <p:sldId id="279" r:id="rId23"/>
+    <p:sldId id="260" r:id="rId24"/>
+    <p:sldId id="264" r:id="rId25"/>
+    <p:sldId id="278" r:id="rId26"/>
+    <p:sldId id="281" r:id="rId27"/>
+    <p:sldId id="284" r:id="rId28"/>
   </p:sldIdLst>
   <p:sldSz cx="12192000" cy="6858000"/>
   <p:notesSz cx="6858000" cy="9144000"/>
@@ -1838,7 +1839,7 @@
           <a:p>
             <a:fld id="{D6DC349E-4328-4388-B93D-7A2D5665D98B}" type="datetimeFigureOut">
               <a:rPr lang="en-CA" smtClean="0"/>
-              <a:t>2024-09-04</a:t>
+              <a:t>2025-07-28</a:t>
             </a:fld>
             <a:endParaRPr lang="en-CA"/>
           </a:p>
@@ -2008,7 +2009,7 @@
           <a:p>
             <a:fld id="{D6DC349E-4328-4388-B93D-7A2D5665D98B}" type="datetimeFigureOut">
               <a:rPr lang="en-CA" smtClean="0"/>
-              <a:t>2024-09-04</a:t>
+              <a:t>2025-07-28</a:t>
             </a:fld>
             <a:endParaRPr lang="en-CA"/>
           </a:p>
@@ -2188,7 +2189,7 @@
           <a:p>
             <a:fld id="{D6DC349E-4328-4388-B93D-7A2D5665D98B}" type="datetimeFigureOut">
               <a:rPr lang="en-CA" smtClean="0"/>
-              <a:t>2024-09-04</a:t>
+              <a:t>2025-07-28</a:t>
             </a:fld>
             <a:endParaRPr lang="en-CA"/>
           </a:p>
@@ -2358,7 +2359,7 @@
           <a:p>
             <a:fld id="{D6DC349E-4328-4388-B93D-7A2D5665D98B}" type="datetimeFigureOut">
               <a:rPr lang="en-CA" smtClean="0"/>
-              <a:t>2024-09-04</a:t>
+              <a:t>2025-07-28</a:t>
             </a:fld>
             <a:endParaRPr lang="en-CA"/>
           </a:p>
@@ -2604,7 +2605,7 @@
           <a:p>
             <a:fld id="{D6DC349E-4328-4388-B93D-7A2D5665D98B}" type="datetimeFigureOut">
               <a:rPr lang="en-CA" smtClean="0"/>
-              <a:t>2024-09-04</a:t>
+              <a:t>2025-07-28</a:t>
             </a:fld>
             <a:endParaRPr lang="en-CA"/>
           </a:p>
@@ -2836,7 +2837,7 @@
           <a:p>
             <a:fld id="{D6DC349E-4328-4388-B93D-7A2D5665D98B}" type="datetimeFigureOut">
               <a:rPr lang="en-CA" smtClean="0"/>
-              <a:t>2024-09-04</a:t>
+              <a:t>2025-07-28</a:t>
             </a:fld>
             <a:endParaRPr lang="en-CA"/>
           </a:p>
@@ -3203,7 +3204,7 @@
           <a:p>
             <a:fld id="{D6DC349E-4328-4388-B93D-7A2D5665D98B}" type="datetimeFigureOut">
               <a:rPr lang="en-CA" smtClean="0"/>
-              <a:t>2024-09-04</a:t>
+              <a:t>2025-07-28</a:t>
             </a:fld>
             <a:endParaRPr lang="en-CA"/>
           </a:p>
@@ -3321,7 +3322,7 @@
           <a:p>
             <a:fld id="{D6DC349E-4328-4388-B93D-7A2D5665D98B}" type="datetimeFigureOut">
               <a:rPr lang="en-CA" smtClean="0"/>
-              <a:t>2024-09-04</a:t>
+              <a:t>2025-07-28</a:t>
             </a:fld>
             <a:endParaRPr lang="en-CA"/>
           </a:p>
@@ -3416,7 +3417,7 @@
           <a:p>
             <a:fld id="{D6DC349E-4328-4388-B93D-7A2D5665D98B}" type="datetimeFigureOut">
               <a:rPr lang="en-CA" smtClean="0"/>
-              <a:t>2024-09-04</a:t>
+              <a:t>2025-07-28</a:t>
             </a:fld>
             <a:endParaRPr lang="en-CA"/>
           </a:p>
@@ -3693,7 +3694,7 @@
           <a:p>
             <a:fld id="{D6DC349E-4328-4388-B93D-7A2D5665D98B}" type="datetimeFigureOut">
               <a:rPr lang="en-CA" smtClean="0"/>
-              <a:t>2024-09-04</a:t>
+              <a:t>2025-07-28</a:t>
             </a:fld>
             <a:endParaRPr lang="en-CA"/>
           </a:p>
@@ -3946,7 +3947,7 @@
           <a:p>
             <a:fld id="{D6DC349E-4328-4388-B93D-7A2D5665D98B}" type="datetimeFigureOut">
               <a:rPr lang="en-CA" smtClean="0"/>
-              <a:t>2024-09-04</a:t>
+              <a:t>2025-07-28</a:t>
             </a:fld>
             <a:endParaRPr lang="en-CA"/>
           </a:p>
@@ -4159,7 +4160,7 @@
           <a:p>
             <a:fld id="{D6DC349E-4328-4388-B93D-7A2D5665D98B}" type="datetimeFigureOut">
               <a:rPr lang="en-CA" smtClean="0"/>
-              <a:t>2024-09-04</a:t>
+              <a:t>2025-07-28</a:t>
             </a:fld>
             <a:endParaRPr lang="en-CA"/>
           </a:p>
@@ -4679,7 +4680,7 @@
           <a:p>
             <a:r>
               <a:rPr lang="en-CA" dirty="0"/>
-              <a:t>Installation</a:t>
+              <a:t>Installation (1)</a:t>
             </a:r>
           </a:p>
         </p:txBody>
@@ -4724,7 +4725,15 @@
             </a:pPr>
             <a:r>
               <a:rPr lang="en-CA" dirty="0"/>
-              <a:t>MIL X 23H2 minimum.</a:t>
+              <a:t>MIL X 23H2 </a:t>
+            </a:r>
+            <a:r>
+              <a:rPr lang="en-CA"/>
+              <a:t>and U149 minimum </a:t>
+            </a:r>
+            <a:r>
+              <a:rPr lang="en-CA" dirty="0"/>
+              <a:t>.</a:t>
             </a:r>
           </a:p>
           <a:p>
@@ -4733,12 +4742,8 @@
               <a:buChar char="q"/>
             </a:pPr>
             <a:r>
-              <a:rPr lang="en-CA"/>
-              <a:t>SP7 </a:t>
-            </a:r>
-            <a:r>
               <a:rPr lang="en-CA" dirty="0"/>
-              <a:t>minimum.</a:t>
+              <a:t>SP7 minimum.</a:t>
             </a:r>
           </a:p>
           <a:p>
@@ -4752,29 +4757,19 @@
             </a:r>
           </a:p>
           <a:p>
+            <a:r>
+              <a:rPr lang="en-CA" dirty="0"/>
+              <a:t>To add a plugin in Capture Works:</a:t>
+            </a:r>
+          </a:p>
+          <a:p>
             <a:pPr lvl="1">
               <a:buFont typeface="Wingdings" panose="05000000000000000000" pitchFamily="2" charset="2"/>
               <a:buChar char="q"/>
             </a:pPr>
             <a:r>
               <a:rPr lang="en-CA" dirty="0"/>
-              <a:t>U149</a:t>
-            </a:r>
-          </a:p>
-          <a:p>
-            <a:r>
-              <a:rPr lang="en-CA" dirty="0"/>
-              <a:t>To add a plugin in Capture Works:</a:t>
-            </a:r>
-          </a:p>
-          <a:p>
-            <a:pPr lvl="1">
-              <a:buFont typeface="Wingdings" panose="05000000000000000000" pitchFamily="2" charset="2"/>
-              <a:buChar char="q"/>
-            </a:pPr>
-            <a:r>
-              <a:rPr lang="en-CA" dirty="0"/>
-              <a:t>Download the plugin Zip folder.</a:t>
+              <a:t>Download the plugin Zip folder on GitHub. (see next slide)</a:t>
             </a:r>
           </a:p>
           <a:p>
@@ -4901,7 +4896,7 @@
           <p:cNvPr id="2" name="Title 1">
             <a:extLst>
               <a:ext uri="{FF2B5EF4-FFF2-40B4-BE49-F238E27FC236}">
-                <a16:creationId xmlns:a16="http://schemas.microsoft.com/office/drawing/2014/main" id="{BCF581E3-C843-B7A7-2648-47705875B25A}"/>
+                <a16:creationId xmlns:a16="http://schemas.microsoft.com/office/drawing/2014/main" id="{D1951316-C6F2-6D18-6A24-96569638A4B6}"/>
               </a:ext>
             </a:extLst>
           </p:cNvPr>
@@ -4918,18 +4913,19 @@
           <a:lstStyle/>
           <a:p>
             <a:r>
-              <a:rPr lang="en-CA" dirty="0"/>
-              <a:t>User guide</a:t>
-            </a:r>
-          </a:p>
-        </p:txBody>
-      </p:sp>
-      <p:sp>
-        <p:nvSpPr>
-          <p:cNvPr id="3" name="Content Placeholder 2">
-            <a:extLst>
-              <a:ext uri="{FF2B5EF4-FFF2-40B4-BE49-F238E27FC236}">
-                <a16:creationId xmlns:a16="http://schemas.microsoft.com/office/drawing/2014/main" id="{BFA0BB11-EE51-4EC8-7374-4BA2E6D3542B}"/>
+              <a:rPr lang="en-US"/>
+              <a:t>Installation (2)</a:t>
+            </a:r>
+            <a:endParaRPr lang="en-US" dirty="0"/>
+          </a:p>
+        </p:txBody>
+      </p:sp>
+      <p:sp>
+        <p:nvSpPr>
+          <p:cNvPr id="4" name="Text Placeholder 3">
+            <a:extLst>
+              <a:ext uri="{FF2B5EF4-FFF2-40B4-BE49-F238E27FC236}">
+                <a16:creationId xmlns:a16="http://schemas.microsoft.com/office/drawing/2014/main" id="{748AF064-A387-C4E1-8CA3-CF1327D3DA3F}"/>
               </a:ext>
             </a:extLst>
           </p:cNvPr>
@@ -4937,57 +4933,33 @@
             <a:spLocks noGrp="1"/>
           </p:cNvSpPr>
           <p:nvPr>
-            <p:ph idx="1"/>
+            <p:ph type="body" idx="1"/>
           </p:nvPr>
         </p:nvSpPr>
-        <p:spPr/>
+        <p:spPr>
+          <a:xfrm>
+            <a:off x="836612" y="1433916"/>
+            <a:ext cx="7661032" cy="513543"/>
+          </a:xfrm>
+        </p:spPr>
         <p:txBody>
           <a:bodyPr/>
           <a:lstStyle/>
           <a:p>
             <a:r>
-              <a:rPr lang="en-CA" dirty="0"/>
-              <a:t>After opening </a:t>
-            </a:r>
-            <a:r>
-              <a:rPr lang="en-CA" dirty="0" err="1"/>
-              <a:t>CaptureWorks</a:t>
-            </a:r>
-            <a:r>
-              <a:rPr lang="en-CA" dirty="0"/>
-              <a:t>       open the “Plugin manager”       :</a:t>
-            </a:r>
-          </a:p>
-          <a:p>
-            <a:r>
-              <a:rPr lang="en-CA" dirty="0"/>
-              <a:t> Select “</a:t>
-            </a:r>
-            <a:r>
-              <a:rPr lang="en-CA" dirty="0" err="1"/>
-              <a:t>multi_altiz</a:t>
-            </a:r>
-            <a:r>
-              <a:rPr lang="en-CA" dirty="0"/>
-              <a:t>” then </a:t>
-            </a:r>
-            <a:r>
-              <a:rPr lang="en-CA" dirty="0" err="1"/>
-              <a:t>clic</a:t>
-            </a:r>
-            <a:r>
-              <a:rPr lang="en-CA" dirty="0"/>
-              <a:t> on OK</a:t>
-            </a:r>
+              <a:rPr lang="en-US"/>
+              <a:t>Download the plugin Zip folder on GitHub</a:t>
+            </a:r>
+            <a:endParaRPr lang="en-US" dirty="0"/>
           </a:p>
         </p:txBody>
       </p:sp>
       <p:pic>
         <p:nvPicPr>
-          <p:cNvPr id="5" name="Picture 4">
-            <a:extLst>
-              <a:ext uri="{FF2B5EF4-FFF2-40B4-BE49-F238E27FC236}">
-                <a16:creationId xmlns:a16="http://schemas.microsoft.com/office/drawing/2014/main" id="{1D1EBD2F-E1CB-FB5E-5377-6EEAD6F723B3}"/>
+          <p:cNvPr id="9" name="Picture 8">
+            <a:extLst>
+              <a:ext uri="{FF2B5EF4-FFF2-40B4-BE49-F238E27FC236}">
+                <a16:creationId xmlns:a16="http://schemas.microsoft.com/office/drawing/2014/main" id="{2EA94963-056B-2C18-6E4A-9C5C0BF028D3}"/>
               </a:ext>
             </a:extLst>
           </p:cNvPr>
@@ -5004,20 +4976,55 @@
         </p:blipFill>
         <p:spPr>
           <a:xfrm>
-            <a:off x="5410176" y="1852586"/>
-            <a:ext cx="342948" cy="371527"/>
+            <a:off x="753226" y="2593766"/>
+            <a:ext cx="6285449" cy="2760898"/>
           </a:xfrm>
           <a:prstGeom prst="rect">
             <a:avLst/>
           </a:prstGeom>
         </p:spPr>
       </p:pic>
+      <p:sp>
+        <p:nvSpPr>
+          <p:cNvPr id="10" name="TextBox 9">
+            <a:extLst>
+              <a:ext uri="{FF2B5EF4-FFF2-40B4-BE49-F238E27FC236}">
+                <a16:creationId xmlns:a16="http://schemas.microsoft.com/office/drawing/2014/main" id="{23395264-2EE1-BDFD-27A7-56BE68DCFFED}"/>
+              </a:ext>
+            </a:extLst>
+          </p:cNvPr>
+          <p:cNvSpPr txBox="1"/>
+          <p:nvPr/>
+        </p:nvSpPr>
+        <p:spPr>
+          <a:xfrm>
+            <a:off x="836612" y="2196073"/>
+            <a:ext cx="3644853" cy="369332"/>
+          </a:xfrm>
+          <a:prstGeom prst="rect">
+            <a:avLst/>
+          </a:prstGeom>
+          <a:noFill/>
+        </p:spPr>
+        <p:txBody>
+          <a:bodyPr wrap="square" rtlCol="0">
+            <a:spAutoFit/>
+          </a:bodyPr>
+          <a:lstStyle/>
+          <a:p>
+            <a:r>
+              <a:rPr lang="en-US" dirty="0"/>
+              <a:t>1- Click on “Code”:</a:t>
+            </a:r>
+          </a:p>
+        </p:txBody>
+      </p:sp>
       <p:pic>
         <p:nvPicPr>
-          <p:cNvPr id="7" name="Picture 6">
-            <a:extLst>
-              <a:ext uri="{FF2B5EF4-FFF2-40B4-BE49-F238E27FC236}">
-                <a16:creationId xmlns:a16="http://schemas.microsoft.com/office/drawing/2014/main" id="{07400126-CC62-1270-0133-D87EFFA48D24}"/>
+          <p:cNvPr id="12" name="Picture 11">
+            <a:extLst>
+              <a:ext uri="{FF2B5EF4-FFF2-40B4-BE49-F238E27FC236}">
+                <a16:creationId xmlns:a16="http://schemas.microsoft.com/office/drawing/2014/main" id="{43643CF2-E443-3484-CEF7-6CE649EED93E}"/>
               </a:ext>
             </a:extLst>
           </p:cNvPr>
@@ -5034,48 +5041,53 @@
         </p:blipFill>
         <p:spPr>
           <a:xfrm>
-            <a:off x="9910738" y="1862111"/>
-            <a:ext cx="352474" cy="371527"/>
+            <a:off x="7815483" y="2593766"/>
+            <a:ext cx="3539905" cy="2758250"/>
           </a:xfrm>
           <a:prstGeom prst="rect">
             <a:avLst/>
           </a:prstGeom>
         </p:spPr>
       </p:pic>
-      <p:pic>
-        <p:nvPicPr>
-          <p:cNvPr id="6" name="Picture 5">
-            <a:extLst>
-              <a:ext uri="{FF2B5EF4-FFF2-40B4-BE49-F238E27FC236}">
-                <a16:creationId xmlns:a16="http://schemas.microsoft.com/office/drawing/2014/main" id="{FCA47781-C9A4-3F44-4D81-E49C78F496B9}"/>
-              </a:ext>
-            </a:extLst>
-          </p:cNvPr>
-          <p:cNvPicPr>
-            <a:picLocks noChangeAspect="1"/>
-          </p:cNvPicPr>
-          <p:nvPr/>
-        </p:nvPicPr>
-        <p:blipFill>
-          <a:blip r:embed="rId4"/>
-          <a:stretch>
-            <a:fillRect/>
-          </a:stretch>
-        </p:blipFill>
-        <p:spPr>
-          <a:xfrm>
-            <a:off x="3285840" y="2857499"/>
-            <a:ext cx="5620320" cy="3638552"/>
+      <p:sp>
+        <p:nvSpPr>
+          <p:cNvPr id="13" name="TextBox 12">
+            <a:extLst>
+              <a:ext uri="{FF2B5EF4-FFF2-40B4-BE49-F238E27FC236}">
+                <a16:creationId xmlns:a16="http://schemas.microsoft.com/office/drawing/2014/main" id="{CA547DEE-6748-B1BC-1A44-C419CF013B93}"/>
+              </a:ext>
+            </a:extLst>
+          </p:cNvPr>
+          <p:cNvSpPr txBox="1"/>
+          <p:nvPr/>
+        </p:nvSpPr>
+        <p:spPr>
+          <a:xfrm>
+            <a:off x="7804087" y="2196073"/>
+            <a:ext cx="3367889" cy="369332"/>
           </a:xfrm>
           <a:prstGeom prst="rect">
             <a:avLst/>
           </a:prstGeom>
-        </p:spPr>
-      </p:pic>
+          <a:noFill/>
+        </p:spPr>
+        <p:txBody>
+          <a:bodyPr wrap="square" rtlCol="0">
+            <a:spAutoFit/>
+          </a:bodyPr>
+          <a:lstStyle/>
+          <a:p>
+            <a:r>
+              <a:rPr lang="en-US" dirty="0"/>
+              <a:t>2- Click on “Download ZIP”</a:t>
+            </a:r>
+          </a:p>
+        </p:txBody>
+      </p:sp>
     </p:spTree>
     <p:extLst>
       <p:ext uri="{BB962C8B-B14F-4D97-AF65-F5344CB8AC3E}">
-        <p14:creationId xmlns:p14="http://schemas.microsoft.com/office/powerpoint/2010/main" val="2282276848"/>
+        <p14:creationId xmlns:p14="http://schemas.microsoft.com/office/powerpoint/2010/main" val="1205787838"/>
       </p:ext>
     </p:extLst>
   </p:cSld>
@@ -5104,6 +5116,212 @@
       </p:grpSpPr>
       <p:sp>
         <p:nvSpPr>
+          <p:cNvPr id="2" name="Title 1">
+            <a:extLst>
+              <a:ext uri="{FF2B5EF4-FFF2-40B4-BE49-F238E27FC236}">
+                <a16:creationId xmlns:a16="http://schemas.microsoft.com/office/drawing/2014/main" id="{BCF581E3-C843-B7A7-2648-47705875B25A}"/>
+              </a:ext>
+            </a:extLst>
+          </p:cNvPr>
+          <p:cNvSpPr>
+            <a:spLocks noGrp="1"/>
+          </p:cNvSpPr>
+          <p:nvPr>
+            <p:ph type="title"/>
+          </p:nvPr>
+        </p:nvSpPr>
+        <p:spPr/>
+        <p:txBody>
+          <a:bodyPr/>
+          <a:lstStyle/>
+          <a:p>
+            <a:r>
+              <a:rPr lang="en-CA" dirty="0"/>
+              <a:t>User guide</a:t>
+            </a:r>
+          </a:p>
+        </p:txBody>
+      </p:sp>
+      <p:sp>
+        <p:nvSpPr>
+          <p:cNvPr id="3" name="Content Placeholder 2">
+            <a:extLst>
+              <a:ext uri="{FF2B5EF4-FFF2-40B4-BE49-F238E27FC236}">
+                <a16:creationId xmlns:a16="http://schemas.microsoft.com/office/drawing/2014/main" id="{BFA0BB11-EE51-4EC8-7374-4BA2E6D3542B}"/>
+              </a:ext>
+            </a:extLst>
+          </p:cNvPr>
+          <p:cNvSpPr>
+            <a:spLocks noGrp="1"/>
+          </p:cNvSpPr>
+          <p:nvPr>
+            <p:ph idx="1"/>
+          </p:nvPr>
+        </p:nvSpPr>
+        <p:spPr/>
+        <p:txBody>
+          <a:bodyPr/>
+          <a:lstStyle/>
+          <a:p>
+            <a:r>
+              <a:rPr lang="en-CA" dirty="0"/>
+              <a:t>After opening </a:t>
+            </a:r>
+            <a:r>
+              <a:rPr lang="en-CA" dirty="0" err="1"/>
+              <a:t>CaptureWorks</a:t>
+            </a:r>
+            <a:r>
+              <a:rPr lang="en-CA" dirty="0"/>
+              <a:t>       open the “Plugin manager”       :</a:t>
+            </a:r>
+          </a:p>
+          <a:p>
+            <a:r>
+              <a:rPr lang="en-CA" dirty="0"/>
+              <a:t> Select “</a:t>
+            </a:r>
+            <a:r>
+              <a:rPr lang="en-CA" dirty="0" err="1"/>
+              <a:t>multi_altiz</a:t>
+            </a:r>
+            <a:r>
+              <a:rPr lang="en-CA" dirty="0"/>
+              <a:t>” then </a:t>
+            </a:r>
+            <a:r>
+              <a:rPr lang="en-CA" dirty="0" err="1"/>
+              <a:t>clic</a:t>
+            </a:r>
+            <a:r>
+              <a:rPr lang="en-CA" dirty="0"/>
+              <a:t> on OK</a:t>
+            </a:r>
+          </a:p>
+        </p:txBody>
+      </p:sp>
+      <p:pic>
+        <p:nvPicPr>
+          <p:cNvPr id="5" name="Picture 4">
+            <a:extLst>
+              <a:ext uri="{FF2B5EF4-FFF2-40B4-BE49-F238E27FC236}">
+                <a16:creationId xmlns:a16="http://schemas.microsoft.com/office/drawing/2014/main" id="{1D1EBD2F-E1CB-FB5E-5377-6EEAD6F723B3}"/>
+              </a:ext>
+            </a:extLst>
+          </p:cNvPr>
+          <p:cNvPicPr>
+            <a:picLocks noChangeAspect="1"/>
+          </p:cNvPicPr>
+          <p:nvPr/>
+        </p:nvPicPr>
+        <p:blipFill>
+          <a:blip r:embed="rId2"/>
+          <a:stretch>
+            <a:fillRect/>
+          </a:stretch>
+        </p:blipFill>
+        <p:spPr>
+          <a:xfrm>
+            <a:off x="5410176" y="1852586"/>
+            <a:ext cx="342948" cy="371527"/>
+          </a:xfrm>
+          <a:prstGeom prst="rect">
+            <a:avLst/>
+          </a:prstGeom>
+        </p:spPr>
+      </p:pic>
+      <p:pic>
+        <p:nvPicPr>
+          <p:cNvPr id="7" name="Picture 6">
+            <a:extLst>
+              <a:ext uri="{FF2B5EF4-FFF2-40B4-BE49-F238E27FC236}">
+                <a16:creationId xmlns:a16="http://schemas.microsoft.com/office/drawing/2014/main" id="{07400126-CC62-1270-0133-D87EFFA48D24}"/>
+              </a:ext>
+            </a:extLst>
+          </p:cNvPr>
+          <p:cNvPicPr>
+            <a:picLocks noChangeAspect="1"/>
+          </p:cNvPicPr>
+          <p:nvPr/>
+        </p:nvPicPr>
+        <p:blipFill>
+          <a:blip r:embed="rId3"/>
+          <a:stretch>
+            <a:fillRect/>
+          </a:stretch>
+        </p:blipFill>
+        <p:spPr>
+          <a:xfrm>
+            <a:off x="9910738" y="1862111"/>
+            <a:ext cx="352474" cy="371527"/>
+          </a:xfrm>
+          <a:prstGeom prst="rect">
+            <a:avLst/>
+          </a:prstGeom>
+        </p:spPr>
+      </p:pic>
+      <p:pic>
+        <p:nvPicPr>
+          <p:cNvPr id="6" name="Picture 5">
+            <a:extLst>
+              <a:ext uri="{FF2B5EF4-FFF2-40B4-BE49-F238E27FC236}">
+                <a16:creationId xmlns:a16="http://schemas.microsoft.com/office/drawing/2014/main" id="{FCA47781-C9A4-3F44-4D81-E49C78F496B9}"/>
+              </a:ext>
+            </a:extLst>
+          </p:cNvPr>
+          <p:cNvPicPr>
+            <a:picLocks noChangeAspect="1"/>
+          </p:cNvPicPr>
+          <p:nvPr/>
+        </p:nvPicPr>
+        <p:blipFill>
+          <a:blip r:embed="rId4"/>
+          <a:stretch>
+            <a:fillRect/>
+          </a:stretch>
+        </p:blipFill>
+        <p:spPr>
+          <a:xfrm>
+            <a:off x="3285840" y="2857499"/>
+            <a:ext cx="5620320" cy="3638552"/>
+          </a:xfrm>
+          <a:prstGeom prst="rect">
+            <a:avLst/>
+          </a:prstGeom>
+        </p:spPr>
+      </p:pic>
+    </p:spTree>
+    <p:extLst>
+      <p:ext uri="{BB962C8B-B14F-4D97-AF65-F5344CB8AC3E}">
+        <p14:creationId xmlns:p14="http://schemas.microsoft.com/office/powerpoint/2010/main" val="2282276848"/>
+      </p:ext>
+    </p:extLst>
+  </p:cSld>
+  <p:clrMapOvr>
+    <a:masterClrMapping/>
+  </p:clrMapOvr>
+</p:sld>
+</file>
+
+<file path=ppt/slides/slide13.xml><?xml version="1.0" encoding="utf-8"?>
+<p:sld xmlns:a="http://schemas.openxmlformats.org/drawingml/2006/main" xmlns:r="http://schemas.openxmlformats.org/officeDocument/2006/relationships" xmlns:p="http://schemas.openxmlformats.org/presentationml/2006/main">
+  <p:cSld>
+    <p:spTree>
+      <p:nvGrpSpPr>
+        <p:cNvPr id="1" name=""/>
+        <p:cNvGrpSpPr/>
+        <p:nvPr/>
+      </p:nvGrpSpPr>
+      <p:grpSpPr>
+        <a:xfrm>
+          <a:off x="0" y="0"/>
+          <a:ext cx="0" cy="0"/>
+          <a:chOff x="0" y="0"/>
+          <a:chExt cx="0" cy="0"/>
+        </a:xfrm>
+      </p:grpSpPr>
+      <p:sp>
+        <p:nvSpPr>
           <p:cNvPr id="3" name="Content Placeholder 2">
             <a:extLst>
               <a:ext uri="{FF2B5EF4-FFF2-40B4-BE49-F238E27FC236}">
@@ -5233,7 +5451,7 @@
 </p:sld>
 </file>
 
-<file path=ppt/slides/slide13.xml><?xml version="1.0" encoding="utf-8"?>
+<file path=ppt/slides/slide14.xml><?xml version="1.0" encoding="utf-8"?>
 <p:sld xmlns:a="http://schemas.openxmlformats.org/drawingml/2006/main" xmlns:r="http://schemas.openxmlformats.org/officeDocument/2006/relationships" xmlns:p="http://schemas.openxmlformats.org/presentationml/2006/main">
   <p:cSld>
     <p:spTree>
@@ -5905,7 +6123,7 @@
 </p:sld>
 </file>
 
-<file path=ppt/slides/slide14.xml><?xml version="1.0" encoding="utf-8"?>
+<file path=ppt/slides/slide15.xml><?xml version="1.0" encoding="utf-8"?>
 <p:sld xmlns:a="http://schemas.openxmlformats.org/drawingml/2006/main" xmlns:r="http://schemas.openxmlformats.org/officeDocument/2006/relationships" xmlns:p="http://schemas.openxmlformats.org/presentationml/2006/main">
   <p:cSld>
     <p:spTree>
@@ -6185,7 +6403,7 @@
 </p:sld>
 </file>
 
-<file path=ppt/slides/slide15.xml><?xml version="1.0" encoding="utf-8"?>
+<file path=ppt/slides/slide16.xml><?xml version="1.0" encoding="utf-8"?>
 <p:sld xmlns:a="http://schemas.openxmlformats.org/drawingml/2006/main" xmlns:r="http://schemas.openxmlformats.org/officeDocument/2006/relationships" xmlns:p="http://schemas.openxmlformats.org/presentationml/2006/main">
   <p:cSld>
     <p:spTree>
@@ -6979,7 +7197,7 @@
 </p:sld>
 </file>
 
-<file path=ppt/slides/slide16.xml><?xml version="1.0" encoding="utf-8"?>
+<file path=ppt/slides/slide17.xml><?xml version="1.0" encoding="utf-8"?>
 <p:sld xmlns:a="http://schemas.openxmlformats.org/drawingml/2006/main" xmlns:r="http://schemas.openxmlformats.org/officeDocument/2006/relationships" xmlns:p="http://schemas.openxmlformats.org/presentationml/2006/main">
   <p:cSld>
     <p:spTree>
@@ -7324,7 +7542,7 @@
 </p:sld>
 </file>
 
-<file path=ppt/slides/slide17.xml><?xml version="1.0" encoding="utf-8"?>
+<file path=ppt/slides/slide18.xml><?xml version="1.0" encoding="utf-8"?>
 <p:sld xmlns:a="http://schemas.openxmlformats.org/drawingml/2006/main" xmlns:r="http://schemas.openxmlformats.org/officeDocument/2006/relationships" xmlns:p="http://schemas.openxmlformats.org/presentationml/2006/main">
   <p:cSld>
     <p:spTree>
@@ -7642,7 +7860,7 @@
 </p:sld>
 </file>
 
-<file path=ppt/slides/slide18.xml><?xml version="1.0" encoding="utf-8"?>
+<file path=ppt/slides/slide19.xml><?xml version="1.0" encoding="utf-8"?>
 <p:sld xmlns:a="http://schemas.openxmlformats.org/drawingml/2006/main" xmlns:r="http://schemas.openxmlformats.org/officeDocument/2006/relationships" xmlns:p="http://schemas.openxmlformats.org/presentationml/2006/main">
   <p:cSld>
     <p:spTree>
@@ -9975,7 +10193,943 @@
 </p:sld>
 </file>
 
-<file path=ppt/slides/slide19.xml><?xml version="1.0" encoding="utf-8"?>
+<file path=ppt/slides/slide2.xml><?xml version="1.0" encoding="utf-8"?>
+<p:sld xmlns:a="http://schemas.openxmlformats.org/drawingml/2006/main" xmlns:r="http://schemas.openxmlformats.org/officeDocument/2006/relationships" xmlns:p="http://schemas.openxmlformats.org/presentationml/2006/main">
+  <p:cSld>
+    <p:spTree>
+      <p:nvGrpSpPr>
+        <p:cNvPr id="1" name=""/>
+        <p:cNvGrpSpPr/>
+        <p:nvPr/>
+      </p:nvGrpSpPr>
+      <p:grpSpPr>
+        <a:xfrm>
+          <a:off x="0" y="0"/>
+          <a:ext cx="0" cy="0"/>
+          <a:chOff x="0" y="0"/>
+          <a:chExt cx="0" cy="0"/>
+        </a:xfrm>
+      </p:grpSpPr>
+      <p:sp>
+        <p:nvSpPr>
+          <p:cNvPr id="4" name="Rectangle 3"/>
+          <p:cNvSpPr/>
+          <p:nvPr/>
+        </p:nvSpPr>
+        <p:spPr>
+          <a:xfrm>
+            <a:off x="2662989" y="2791327"/>
+            <a:ext cx="6480000" cy="1260000"/>
+          </a:xfrm>
+          <a:prstGeom prst="rect">
+            <a:avLst/>
+          </a:prstGeom>
+        </p:spPr>
+        <p:style>
+          <a:lnRef idx="2">
+            <a:schemeClr val="accent1">
+              <a:shade val="50000"/>
+            </a:schemeClr>
+          </a:lnRef>
+          <a:fillRef idx="1">
+            <a:schemeClr val="accent1"/>
+          </a:fillRef>
+          <a:effectRef idx="0">
+            <a:schemeClr val="accent1"/>
+          </a:effectRef>
+          <a:fontRef idx="minor">
+            <a:schemeClr val="lt1"/>
+          </a:fontRef>
+        </p:style>
+        <p:txBody>
+          <a:bodyPr rtlCol="0" anchor="ctr"/>
+          <a:lstStyle/>
+          <a:p>
+            <a:pPr algn="ctr"/>
+            <a:endParaRPr lang="en-CA"/>
+          </a:p>
+        </p:txBody>
+      </p:sp>
+      <p:sp>
+        <p:nvSpPr>
+          <p:cNvPr id="5" name="Oval 4"/>
+          <p:cNvSpPr/>
+          <p:nvPr/>
+        </p:nvSpPr>
+        <p:spPr>
+          <a:xfrm>
+            <a:off x="3577510" y="3073011"/>
+            <a:ext cx="720000" cy="720000"/>
+          </a:xfrm>
+          <a:prstGeom prst="ellipse">
+            <a:avLst/>
+          </a:prstGeom>
+        </p:spPr>
+        <p:style>
+          <a:lnRef idx="2">
+            <a:schemeClr val="accent3">
+              <a:shade val="50000"/>
+            </a:schemeClr>
+          </a:lnRef>
+          <a:fillRef idx="1">
+            <a:schemeClr val="accent3"/>
+          </a:fillRef>
+          <a:effectRef idx="0">
+            <a:schemeClr val="accent3"/>
+          </a:effectRef>
+          <a:fontRef idx="minor">
+            <a:schemeClr val="lt1"/>
+          </a:fontRef>
+        </p:style>
+        <p:txBody>
+          <a:bodyPr rtlCol="0" anchor="ctr"/>
+          <a:lstStyle/>
+          <a:p>
+            <a:pPr algn="ctr"/>
+            <a:endParaRPr lang="en-CA"/>
+          </a:p>
+        </p:txBody>
+      </p:sp>
+      <p:sp>
+        <p:nvSpPr>
+          <p:cNvPr id="6" name="Oval 5"/>
+          <p:cNvSpPr/>
+          <p:nvPr/>
+        </p:nvSpPr>
+        <p:spPr>
+          <a:xfrm>
+            <a:off x="5557003" y="3070259"/>
+            <a:ext cx="720000" cy="720000"/>
+          </a:xfrm>
+          <a:prstGeom prst="ellipse">
+            <a:avLst/>
+          </a:prstGeom>
+        </p:spPr>
+        <p:style>
+          <a:lnRef idx="2">
+            <a:schemeClr val="accent3">
+              <a:shade val="50000"/>
+            </a:schemeClr>
+          </a:lnRef>
+          <a:fillRef idx="1">
+            <a:schemeClr val="accent3"/>
+          </a:fillRef>
+          <a:effectRef idx="0">
+            <a:schemeClr val="accent3"/>
+          </a:effectRef>
+          <a:fontRef idx="minor">
+            <a:schemeClr val="lt1"/>
+          </a:fontRef>
+        </p:style>
+        <p:txBody>
+          <a:bodyPr rtlCol="0" anchor="ctr"/>
+          <a:lstStyle/>
+          <a:p>
+            <a:pPr algn="ctr"/>
+            <a:endParaRPr lang="en-CA"/>
+          </a:p>
+        </p:txBody>
+      </p:sp>
+      <p:sp>
+        <p:nvSpPr>
+          <p:cNvPr id="7" name="Oval 6"/>
+          <p:cNvSpPr/>
+          <p:nvPr/>
+        </p:nvSpPr>
+        <p:spPr>
+          <a:xfrm>
+            <a:off x="7536157" y="3064239"/>
+            <a:ext cx="720000" cy="720000"/>
+          </a:xfrm>
+          <a:prstGeom prst="ellipse">
+            <a:avLst/>
+          </a:prstGeom>
+        </p:spPr>
+        <p:style>
+          <a:lnRef idx="2">
+            <a:schemeClr val="accent3">
+              <a:shade val="50000"/>
+            </a:schemeClr>
+          </a:lnRef>
+          <a:fillRef idx="1">
+            <a:schemeClr val="accent3"/>
+          </a:fillRef>
+          <a:effectRef idx="0">
+            <a:schemeClr val="accent3"/>
+          </a:effectRef>
+          <a:fontRef idx="minor">
+            <a:schemeClr val="lt1"/>
+          </a:fontRef>
+        </p:style>
+        <p:txBody>
+          <a:bodyPr rtlCol="0" anchor="ctr"/>
+          <a:lstStyle/>
+          <a:p>
+            <a:pPr algn="ctr"/>
+            <a:endParaRPr lang="en-CA"/>
+          </a:p>
+        </p:txBody>
+      </p:sp>
+      <p:cxnSp>
+        <p:nvCxnSpPr>
+          <p:cNvPr id="22" name="Straight Arrow Connector 21"/>
+          <p:cNvCxnSpPr/>
+          <p:nvPr/>
+        </p:nvCxnSpPr>
+        <p:spPr>
+          <a:xfrm>
+            <a:off x="2662989" y="2630905"/>
+            <a:ext cx="6480000" cy="29749"/>
+          </a:xfrm>
+          <a:prstGeom prst="straightConnector1">
+            <a:avLst/>
+          </a:prstGeom>
+          <a:ln>
+            <a:headEnd type="triangle"/>
+            <a:tailEnd type="triangle"/>
+          </a:ln>
+        </p:spPr>
+        <p:style>
+          <a:lnRef idx="1">
+            <a:schemeClr val="accent1"/>
+          </a:lnRef>
+          <a:fillRef idx="0">
+            <a:schemeClr val="accent1"/>
+          </a:fillRef>
+          <a:effectRef idx="0">
+            <a:schemeClr val="accent1"/>
+          </a:effectRef>
+          <a:fontRef idx="minor">
+            <a:schemeClr val="tx1"/>
+          </a:fontRef>
+        </p:style>
+      </p:cxnSp>
+      <p:cxnSp>
+        <p:nvCxnSpPr>
+          <p:cNvPr id="23" name="Straight Arrow Connector 22"/>
+          <p:cNvCxnSpPr/>
+          <p:nvPr/>
+        </p:nvCxnSpPr>
+        <p:spPr>
+          <a:xfrm flipV="1">
+            <a:off x="2519052" y="2791327"/>
+            <a:ext cx="0" cy="1259999"/>
+          </a:xfrm>
+          <a:prstGeom prst="straightConnector1">
+            <a:avLst/>
+          </a:prstGeom>
+          <a:ln>
+            <a:headEnd type="triangle"/>
+            <a:tailEnd type="triangle"/>
+          </a:ln>
+        </p:spPr>
+        <p:style>
+          <a:lnRef idx="1">
+            <a:schemeClr val="accent1"/>
+          </a:lnRef>
+          <a:fillRef idx="0">
+            <a:schemeClr val="accent1"/>
+          </a:fillRef>
+          <a:effectRef idx="0">
+            <a:schemeClr val="accent1"/>
+          </a:effectRef>
+          <a:fontRef idx="minor">
+            <a:schemeClr val="tx1"/>
+          </a:fontRef>
+        </p:style>
+      </p:cxnSp>
+      <p:sp>
+        <p:nvSpPr>
+          <p:cNvPr id="28" name="TextBox 27"/>
+          <p:cNvSpPr txBox="1"/>
+          <p:nvPr/>
+        </p:nvSpPr>
+        <p:spPr>
+          <a:xfrm rot="16200000">
+            <a:off x="1818844" y="3248345"/>
+            <a:ext cx="922421" cy="369332"/>
+          </a:xfrm>
+          <a:prstGeom prst="rect">
+            <a:avLst/>
+          </a:prstGeom>
+          <a:noFill/>
+        </p:spPr>
+        <p:txBody>
+          <a:bodyPr wrap="square" rtlCol="0">
+            <a:spAutoFit/>
+          </a:bodyPr>
+          <a:lstStyle/>
+          <a:p>
+            <a:r>
+              <a:rPr lang="en-US" dirty="0"/>
+              <a:t>70mm</a:t>
+            </a:r>
+          </a:p>
+        </p:txBody>
+      </p:sp>
+      <p:sp>
+        <p:nvSpPr>
+          <p:cNvPr id="29" name="TextBox 28"/>
+          <p:cNvSpPr txBox="1"/>
+          <p:nvPr/>
+        </p:nvSpPr>
+        <p:spPr>
+          <a:xfrm>
+            <a:off x="5081778" y="2230214"/>
+            <a:ext cx="922421" cy="369332"/>
+          </a:xfrm>
+          <a:prstGeom prst="rect">
+            <a:avLst/>
+          </a:prstGeom>
+          <a:noFill/>
+        </p:spPr>
+        <p:txBody>
+          <a:bodyPr wrap="square" rtlCol="0">
+            <a:spAutoFit/>
+          </a:bodyPr>
+          <a:lstStyle/>
+          <a:p>
+            <a:r>
+              <a:rPr lang="en-US" dirty="0"/>
+              <a:t>360mm</a:t>
+            </a:r>
+            <a:endParaRPr lang="en-CA" dirty="0"/>
+          </a:p>
+        </p:txBody>
+      </p:sp>
+      <p:cxnSp>
+        <p:nvCxnSpPr>
+          <p:cNvPr id="31" name="Straight Arrow Connector 30"/>
+          <p:cNvCxnSpPr>
+            <a:stCxn id="5" idx="1"/>
+            <a:endCxn id="5" idx="5"/>
+          </p:cNvCxnSpPr>
+          <p:nvPr/>
+        </p:nvCxnSpPr>
+        <p:spPr>
+          <a:xfrm>
+            <a:off x="3682952" y="3153222"/>
+            <a:ext cx="509116" cy="509116"/>
+          </a:xfrm>
+          <a:prstGeom prst="straightConnector1">
+            <a:avLst/>
+          </a:prstGeom>
+          <a:ln>
+            <a:solidFill>
+              <a:srgbClr val="FF0000"/>
+            </a:solidFill>
+            <a:headEnd type="triangle"/>
+            <a:tailEnd type="triangle"/>
+          </a:ln>
+        </p:spPr>
+        <p:style>
+          <a:lnRef idx="1">
+            <a:schemeClr val="accent1"/>
+          </a:lnRef>
+          <a:fillRef idx="0">
+            <a:schemeClr val="accent1"/>
+          </a:fillRef>
+          <a:effectRef idx="0">
+            <a:schemeClr val="accent1"/>
+          </a:effectRef>
+          <a:fontRef idx="minor">
+            <a:schemeClr val="tx1"/>
+          </a:fontRef>
+        </p:style>
+      </p:cxnSp>
+      <p:cxnSp>
+        <p:nvCxnSpPr>
+          <p:cNvPr id="32" name="Straight Arrow Connector 31"/>
+          <p:cNvCxnSpPr/>
+          <p:nvPr/>
+        </p:nvCxnSpPr>
+        <p:spPr>
+          <a:xfrm>
+            <a:off x="5635440" y="3152791"/>
+            <a:ext cx="509116" cy="509116"/>
+          </a:xfrm>
+          <a:prstGeom prst="straightConnector1">
+            <a:avLst/>
+          </a:prstGeom>
+          <a:ln>
+            <a:solidFill>
+              <a:srgbClr val="FF0000"/>
+            </a:solidFill>
+            <a:headEnd type="triangle"/>
+            <a:tailEnd type="triangle"/>
+          </a:ln>
+        </p:spPr>
+        <p:style>
+          <a:lnRef idx="1">
+            <a:schemeClr val="accent1"/>
+          </a:lnRef>
+          <a:fillRef idx="0">
+            <a:schemeClr val="accent1"/>
+          </a:fillRef>
+          <a:effectRef idx="0">
+            <a:schemeClr val="accent1"/>
+          </a:effectRef>
+          <a:fontRef idx="minor">
+            <a:schemeClr val="tx1"/>
+          </a:fontRef>
+        </p:style>
+      </p:cxnSp>
+      <p:cxnSp>
+        <p:nvCxnSpPr>
+          <p:cNvPr id="33" name="Straight Arrow Connector 32"/>
+          <p:cNvCxnSpPr/>
+          <p:nvPr/>
+        </p:nvCxnSpPr>
+        <p:spPr>
+          <a:xfrm>
+            <a:off x="7630679" y="3152791"/>
+            <a:ext cx="509116" cy="509116"/>
+          </a:xfrm>
+          <a:prstGeom prst="straightConnector1">
+            <a:avLst/>
+          </a:prstGeom>
+          <a:ln>
+            <a:solidFill>
+              <a:srgbClr val="FF0000"/>
+            </a:solidFill>
+            <a:headEnd type="triangle"/>
+            <a:tailEnd type="triangle"/>
+          </a:ln>
+        </p:spPr>
+        <p:style>
+          <a:lnRef idx="1">
+            <a:schemeClr val="accent1"/>
+          </a:lnRef>
+          <a:fillRef idx="0">
+            <a:schemeClr val="accent1"/>
+          </a:fillRef>
+          <a:effectRef idx="0">
+            <a:schemeClr val="accent1"/>
+          </a:effectRef>
+          <a:fontRef idx="minor">
+            <a:schemeClr val="tx1"/>
+          </a:fontRef>
+        </p:style>
+      </p:cxnSp>
+      <p:sp>
+        <p:nvSpPr>
+          <p:cNvPr id="34" name="TextBox 33"/>
+          <p:cNvSpPr txBox="1"/>
+          <p:nvPr/>
+        </p:nvSpPr>
+        <p:spPr>
+          <a:xfrm rot="2702166">
+            <a:off x="3731975" y="3219155"/>
+            <a:ext cx="561474" cy="261610"/>
+          </a:xfrm>
+          <a:prstGeom prst="rect">
+            <a:avLst/>
+          </a:prstGeom>
+          <a:noFill/>
+        </p:spPr>
+        <p:txBody>
+          <a:bodyPr wrap="square" rtlCol="0">
+            <a:spAutoFit/>
+          </a:bodyPr>
+          <a:lstStyle/>
+          <a:p>
+            <a:r>
+              <a:rPr lang="en-US" sz="1100" dirty="0"/>
+              <a:t>40mm</a:t>
+            </a:r>
+            <a:endParaRPr lang="en-CA" dirty="0"/>
+          </a:p>
+        </p:txBody>
+      </p:sp>
+      <p:sp>
+        <p:nvSpPr>
+          <p:cNvPr id="35" name="TextBox 34"/>
+          <p:cNvSpPr txBox="1"/>
+          <p:nvPr/>
+        </p:nvSpPr>
+        <p:spPr>
+          <a:xfrm rot="2702166">
+            <a:off x="5668703" y="3197281"/>
+            <a:ext cx="561474" cy="261610"/>
+          </a:xfrm>
+          <a:prstGeom prst="rect">
+            <a:avLst/>
+          </a:prstGeom>
+          <a:noFill/>
+        </p:spPr>
+        <p:txBody>
+          <a:bodyPr wrap="square" rtlCol="0">
+            <a:spAutoFit/>
+          </a:bodyPr>
+          <a:lstStyle/>
+          <a:p>
+            <a:r>
+              <a:rPr lang="en-US" sz="1100" dirty="0"/>
+              <a:t>40mm</a:t>
+            </a:r>
+            <a:endParaRPr lang="en-CA" dirty="0"/>
+          </a:p>
+        </p:txBody>
+      </p:sp>
+      <p:sp>
+        <p:nvSpPr>
+          <p:cNvPr id="36" name="TextBox 35"/>
+          <p:cNvSpPr txBox="1"/>
+          <p:nvPr/>
+        </p:nvSpPr>
+        <p:spPr>
+          <a:xfrm rot="2702166">
+            <a:off x="7692227" y="3240030"/>
+            <a:ext cx="561474" cy="261610"/>
+          </a:xfrm>
+          <a:prstGeom prst="rect">
+            <a:avLst/>
+          </a:prstGeom>
+          <a:noFill/>
+        </p:spPr>
+        <p:txBody>
+          <a:bodyPr wrap="square" rtlCol="0">
+            <a:spAutoFit/>
+          </a:bodyPr>
+          <a:lstStyle/>
+          <a:p>
+            <a:r>
+              <a:rPr lang="en-US" sz="1100" dirty="0"/>
+              <a:t>40mm</a:t>
+            </a:r>
+            <a:endParaRPr lang="en-CA" dirty="0"/>
+          </a:p>
+        </p:txBody>
+      </p:sp>
+      <p:cxnSp>
+        <p:nvCxnSpPr>
+          <p:cNvPr id="48" name="Straight Arrow Connector 47"/>
+          <p:cNvCxnSpPr>
+            <a:stCxn id="5" idx="6"/>
+            <a:endCxn id="6" idx="2"/>
+          </p:cNvCxnSpPr>
+          <p:nvPr/>
+        </p:nvCxnSpPr>
+        <p:spPr>
+          <a:xfrm flipV="1">
+            <a:off x="4297510" y="3430259"/>
+            <a:ext cx="1259493" cy="2752"/>
+          </a:xfrm>
+          <a:prstGeom prst="straightConnector1">
+            <a:avLst/>
+          </a:prstGeom>
+          <a:ln>
+            <a:headEnd type="triangle"/>
+            <a:tailEnd type="triangle"/>
+          </a:ln>
+        </p:spPr>
+        <p:style>
+          <a:lnRef idx="1">
+            <a:schemeClr val="dk1"/>
+          </a:lnRef>
+          <a:fillRef idx="0">
+            <a:schemeClr val="dk1"/>
+          </a:fillRef>
+          <a:effectRef idx="0">
+            <a:schemeClr val="dk1"/>
+          </a:effectRef>
+          <a:fontRef idx="minor">
+            <a:schemeClr val="tx1"/>
+          </a:fontRef>
+        </p:style>
+      </p:cxnSp>
+      <p:cxnSp>
+        <p:nvCxnSpPr>
+          <p:cNvPr id="49" name="Straight Arrow Connector 48"/>
+          <p:cNvCxnSpPr>
+            <a:stCxn id="6" idx="6"/>
+          </p:cNvCxnSpPr>
+          <p:nvPr/>
+        </p:nvCxnSpPr>
+        <p:spPr>
+          <a:xfrm>
+            <a:off x="6277003" y="3430259"/>
+            <a:ext cx="1264020" cy="10334"/>
+          </a:xfrm>
+          <a:prstGeom prst="straightConnector1">
+            <a:avLst/>
+          </a:prstGeom>
+          <a:ln>
+            <a:headEnd type="triangle"/>
+            <a:tailEnd type="triangle"/>
+          </a:ln>
+        </p:spPr>
+        <p:style>
+          <a:lnRef idx="1">
+            <a:schemeClr val="dk1"/>
+          </a:lnRef>
+          <a:fillRef idx="0">
+            <a:schemeClr val="dk1"/>
+          </a:fillRef>
+          <a:effectRef idx="0">
+            <a:schemeClr val="dk1"/>
+          </a:effectRef>
+          <a:fontRef idx="minor">
+            <a:schemeClr val="tx1"/>
+          </a:fontRef>
+        </p:style>
+      </p:cxnSp>
+      <p:sp>
+        <p:nvSpPr>
+          <p:cNvPr id="50" name="TextBox 49"/>
+          <p:cNvSpPr txBox="1"/>
+          <p:nvPr/>
+        </p:nvSpPr>
+        <p:spPr>
+          <a:xfrm>
+            <a:off x="4535675" y="3126612"/>
+            <a:ext cx="713182" cy="307777"/>
+          </a:xfrm>
+          <a:prstGeom prst="rect">
+            <a:avLst/>
+          </a:prstGeom>
+          <a:noFill/>
+        </p:spPr>
+        <p:txBody>
+          <a:bodyPr wrap="square" rtlCol="0">
+            <a:spAutoFit/>
+          </a:bodyPr>
+          <a:lstStyle/>
+          <a:p>
+            <a:r>
+              <a:rPr lang="en-US" sz="1400" dirty="0"/>
+              <a:t>60mm</a:t>
+            </a:r>
+            <a:endParaRPr lang="en-CA" dirty="0"/>
+          </a:p>
+        </p:txBody>
+      </p:sp>
+      <p:sp>
+        <p:nvSpPr>
+          <p:cNvPr id="51" name="TextBox 50"/>
+          <p:cNvSpPr txBox="1"/>
+          <p:nvPr/>
+        </p:nvSpPr>
+        <p:spPr>
+          <a:xfrm>
+            <a:off x="6635672" y="3126181"/>
+            <a:ext cx="713182" cy="307777"/>
+          </a:xfrm>
+          <a:prstGeom prst="rect">
+            <a:avLst/>
+          </a:prstGeom>
+          <a:noFill/>
+        </p:spPr>
+        <p:txBody>
+          <a:bodyPr wrap="square" rtlCol="0">
+            <a:spAutoFit/>
+          </a:bodyPr>
+          <a:lstStyle/>
+          <a:p>
+            <a:r>
+              <a:rPr lang="en-US" sz="1400" dirty="0"/>
+              <a:t>60mm</a:t>
+            </a:r>
+            <a:endParaRPr lang="en-CA" dirty="0"/>
+          </a:p>
+        </p:txBody>
+      </p:sp>
+      <p:cxnSp>
+        <p:nvCxnSpPr>
+          <p:cNvPr id="59" name="Straight Arrow Connector 58"/>
+          <p:cNvCxnSpPr>
+            <a:stCxn id="5" idx="0"/>
+          </p:cNvCxnSpPr>
+          <p:nvPr/>
+        </p:nvCxnSpPr>
+        <p:spPr>
+          <a:xfrm flipH="1" flipV="1">
+            <a:off x="3920344" y="2791327"/>
+            <a:ext cx="2645" cy="252000"/>
+          </a:xfrm>
+          <a:prstGeom prst="straightConnector1">
+            <a:avLst/>
+          </a:prstGeom>
+          <a:ln>
+            <a:headEnd type="triangle"/>
+            <a:tailEnd type="triangle"/>
+          </a:ln>
+        </p:spPr>
+        <p:style>
+          <a:lnRef idx="1">
+            <a:schemeClr val="dk1"/>
+          </a:lnRef>
+          <a:fillRef idx="0">
+            <a:schemeClr val="dk1"/>
+          </a:fillRef>
+          <a:effectRef idx="0">
+            <a:schemeClr val="dk1"/>
+          </a:effectRef>
+          <a:fontRef idx="minor">
+            <a:schemeClr val="tx1"/>
+          </a:fontRef>
+        </p:style>
+      </p:cxnSp>
+      <p:sp>
+        <p:nvSpPr>
+          <p:cNvPr id="60" name="TextBox 59"/>
+          <p:cNvSpPr txBox="1"/>
+          <p:nvPr/>
+        </p:nvSpPr>
+        <p:spPr>
+          <a:xfrm rot="16200000">
+            <a:off x="3787165" y="2708824"/>
+            <a:ext cx="719054" cy="307777"/>
+          </a:xfrm>
+          <a:prstGeom prst="rect">
+            <a:avLst/>
+          </a:prstGeom>
+          <a:noFill/>
+        </p:spPr>
+        <p:txBody>
+          <a:bodyPr wrap="square" rtlCol="0">
+            <a:spAutoFit/>
+          </a:bodyPr>
+          <a:lstStyle/>
+          <a:p>
+            <a:r>
+              <a:rPr lang="en-US" sz="1400" dirty="0"/>
+              <a:t>15mm</a:t>
+            </a:r>
+            <a:endParaRPr lang="en-CA" sz="1400" dirty="0"/>
+          </a:p>
+        </p:txBody>
+      </p:sp>
+      <p:cxnSp>
+        <p:nvCxnSpPr>
+          <p:cNvPr id="64" name="Straight Arrow Connector 63"/>
+          <p:cNvCxnSpPr/>
+          <p:nvPr/>
+        </p:nvCxnSpPr>
+        <p:spPr>
+          <a:xfrm>
+            <a:off x="2707599" y="3407349"/>
+            <a:ext cx="880734" cy="432"/>
+          </a:xfrm>
+          <a:prstGeom prst="straightConnector1">
+            <a:avLst/>
+          </a:prstGeom>
+          <a:ln>
+            <a:headEnd type="triangle"/>
+            <a:tailEnd type="triangle"/>
+          </a:ln>
+        </p:spPr>
+        <p:style>
+          <a:lnRef idx="1">
+            <a:schemeClr val="dk1"/>
+          </a:lnRef>
+          <a:fillRef idx="0">
+            <a:schemeClr val="dk1"/>
+          </a:fillRef>
+          <a:effectRef idx="0">
+            <a:schemeClr val="dk1"/>
+          </a:effectRef>
+          <a:fontRef idx="minor">
+            <a:schemeClr val="tx1"/>
+          </a:fontRef>
+        </p:style>
+      </p:cxnSp>
+      <p:sp>
+        <p:nvSpPr>
+          <p:cNvPr id="65" name="TextBox 64"/>
+          <p:cNvSpPr txBox="1"/>
+          <p:nvPr/>
+        </p:nvSpPr>
+        <p:spPr>
+          <a:xfrm>
+            <a:off x="2746498" y="3126612"/>
+            <a:ext cx="713182" cy="307777"/>
+          </a:xfrm>
+          <a:prstGeom prst="rect">
+            <a:avLst/>
+          </a:prstGeom>
+          <a:noFill/>
+        </p:spPr>
+        <p:txBody>
+          <a:bodyPr wrap="square" rtlCol="0">
+            <a:spAutoFit/>
+          </a:bodyPr>
+          <a:lstStyle/>
+          <a:p>
+            <a:r>
+              <a:rPr lang="en-US" sz="1400" dirty="0"/>
+              <a:t>60mm</a:t>
+            </a:r>
+            <a:endParaRPr lang="en-CA" dirty="0"/>
+          </a:p>
+        </p:txBody>
+      </p:sp>
+      <p:cxnSp>
+        <p:nvCxnSpPr>
+          <p:cNvPr id="67" name="Straight Arrow Connector 66"/>
+          <p:cNvCxnSpPr/>
+          <p:nvPr/>
+        </p:nvCxnSpPr>
+        <p:spPr>
+          <a:xfrm flipV="1">
+            <a:off x="8254008" y="3433958"/>
+            <a:ext cx="888981" cy="1"/>
+          </a:xfrm>
+          <a:prstGeom prst="straightConnector1">
+            <a:avLst/>
+          </a:prstGeom>
+          <a:ln>
+            <a:headEnd type="triangle"/>
+            <a:tailEnd type="triangle"/>
+          </a:ln>
+        </p:spPr>
+        <p:style>
+          <a:lnRef idx="1">
+            <a:schemeClr val="dk1"/>
+          </a:lnRef>
+          <a:fillRef idx="0">
+            <a:schemeClr val="dk1"/>
+          </a:fillRef>
+          <a:effectRef idx="0">
+            <a:schemeClr val="dk1"/>
+          </a:effectRef>
+          <a:fontRef idx="minor">
+            <a:schemeClr val="tx1"/>
+          </a:fontRef>
+        </p:style>
+      </p:cxnSp>
+      <p:sp>
+        <p:nvSpPr>
+          <p:cNvPr id="68" name="TextBox 67"/>
+          <p:cNvSpPr txBox="1"/>
+          <p:nvPr/>
+        </p:nvSpPr>
+        <p:spPr>
+          <a:xfrm>
+            <a:off x="8310133" y="3126181"/>
+            <a:ext cx="713182" cy="307777"/>
+          </a:xfrm>
+          <a:prstGeom prst="rect">
+            <a:avLst/>
+          </a:prstGeom>
+          <a:noFill/>
+        </p:spPr>
+        <p:txBody>
+          <a:bodyPr wrap="square" rtlCol="0">
+            <a:spAutoFit/>
+          </a:bodyPr>
+          <a:lstStyle/>
+          <a:p>
+            <a:r>
+              <a:rPr lang="en-US" sz="1400" dirty="0"/>
+              <a:t>60mm</a:t>
+            </a:r>
+            <a:endParaRPr lang="en-CA" dirty="0"/>
+          </a:p>
+        </p:txBody>
+      </p:sp>
+      <p:sp>
+        <p:nvSpPr>
+          <p:cNvPr id="71" name="Title 1"/>
+          <p:cNvSpPr txBox="1">
+            <a:spLocks/>
+          </p:cNvSpPr>
+          <p:nvPr/>
+        </p:nvSpPr>
+        <p:spPr>
+          <a:xfrm>
+            <a:off x="990600" y="517525"/>
+            <a:ext cx="10515600" cy="1325563"/>
+          </a:xfrm>
+          <a:prstGeom prst="rect">
+            <a:avLst/>
+          </a:prstGeom>
+        </p:spPr>
+        <p:txBody>
+          <a:bodyPr vert="horz" lIns="91440" tIns="45720" rIns="91440" bIns="45720" rtlCol="0" anchor="ctr">
+            <a:normAutofit/>
+          </a:bodyPr>
+          <a:lstStyle>
+            <a:lvl1pPr algn="l" defTabSz="914400" rtl="0" eaLnBrk="1" latinLnBrk="0" hangingPunct="1">
+              <a:lnSpc>
+                <a:spcPct val="90000"/>
+              </a:lnSpc>
+              <a:spcBef>
+                <a:spcPct val="0"/>
+              </a:spcBef>
+              <a:buNone/>
+              <a:defRPr sz="4400" kern="1200">
+                <a:solidFill>
+                  <a:schemeClr val="tx1"/>
+                </a:solidFill>
+                <a:latin typeface="+mj-lt"/>
+                <a:ea typeface="+mj-ea"/>
+                <a:cs typeface="+mj-cs"/>
+              </a:defRPr>
+            </a:lvl1pPr>
+          </a:lstStyle>
+          <a:p>
+            <a:r>
+              <a:rPr lang="en-US" sz="4000" dirty="0"/>
+              <a:t>Sketch 2D model one line</a:t>
+            </a:r>
+            <a:endParaRPr lang="en-CA" sz="4000" dirty="0"/>
+          </a:p>
+        </p:txBody>
+      </p:sp>
+      <p:sp>
+        <p:nvSpPr>
+          <p:cNvPr id="3" name="TextBox 2">
+            <a:extLst>
+              <a:ext uri="{FF2B5EF4-FFF2-40B4-BE49-F238E27FC236}">
+                <a16:creationId xmlns:a16="http://schemas.microsoft.com/office/drawing/2014/main" id="{7156B94C-3830-4502-8513-CBB832DA7FB7}"/>
+              </a:ext>
+            </a:extLst>
+          </p:cNvPr>
+          <p:cNvSpPr txBox="1"/>
+          <p:nvPr/>
+        </p:nvSpPr>
+        <p:spPr>
+          <a:xfrm>
+            <a:off x="1000125" y="1377434"/>
+            <a:ext cx="6096000" cy="307777"/>
+          </a:xfrm>
+          <a:prstGeom prst="rect">
+            <a:avLst/>
+          </a:prstGeom>
+          <a:noFill/>
+        </p:spPr>
+        <p:txBody>
+          <a:bodyPr wrap="square">
+            <a:spAutoFit/>
+          </a:bodyPr>
+          <a:lstStyle/>
+          <a:p>
+            <a:r>
+              <a:rPr lang="en-CA" sz="1400" i="1" dirty="0">
+                <a:solidFill>
+                  <a:srgbClr val="FF0000"/>
+                </a:solidFill>
+              </a:rPr>
+              <a:t>For information only. Dimensions are subject to change. </a:t>
+            </a:r>
+          </a:p>
+        </p:txBody>
+      </p:sp>
+    </p:spTree>
+    <p:extLst>
+      <p:ext uri="{BB962C8B-B14F-4D97-AF65-F5344CB8AC3E}">
+        <p14:creationId xmlns:p14="http://schemas.microsoft.com/office/powerpoint/2010/main" val="3217493218"/>
+      </p:ext>
+    </p:extLst>
+  </p:cSld>
+  <p:clrMapOvr>
+    <a:masterClrMapping/>
+  </p:clrMapOvr>
+</p:sld>
+</file>
+
+<file path=ppt/slides/slide20.xml><?xml version="1.0" encoding="utf-8"?>
 <p:sld xmlns:a="http://schemas.openxmlformats.org/drawingml/2006/main" xmlns:r="http://schemas.openxmlformats.org/officeDocument/2006/relationships" xmlns:p="http://schemas.openxmlformats.org/presentationml/2006/main">
   <p:cSld>
     <p:spTree>
@@ -12225,943 +13379,7 @@
 </p:sld>
 </file>
 
-<file path=ppt/slides/slide2.xml><?xml version="1.0" encoding="utf-8"?>
-<p:sld xmlns:a="http://schemas.openxmlformats.org/drawingml/2006/main" xmlns:r="http://schemas.openxmlformats.org/officeDocument/2006/relationships" xmlns:p="http://schemas.openxmlformats.org/presentationml/2006/main">
-  <p:cSld>
-    <p:spTree>
-      <p:nvGrpSpPr>
-        <p:cNvPr id="1" name=""/>
-        <p:cNvGrpSpPr/>
-        <p:nvPr/>
-      </p:nvGrpSpPr>
-      <p:grpSpPr>
-        <a:xfrm>
-          <a:off x="0" y="0"/>
-          <a:ext cx="0" cy="0"/>
-          <a:chOff x="0" y="0"/>
-          <a:chExt cx="0" cy="0"/>
-        </a:xfrm>
-      </p:grpSpPr>
-      <p:sp>
-        <p:nvSpPr>
-          <p:cNvPr id="4" name="Rectangle 3"/>
-          <p:cNvSpPr/>
-          <p:nvPr/>
-        </p:nvSpPr>
-        <p:spPr>
-          <a:xfrm>
-            <a:off x="2662989" y="2791327"/>
-            <a:ext cx="6480000" cy="1260000"/>
-          </a:xfrm>
-          <a:prstGeom prst="rect">
-            <a:avLst/>
-          </a:prstGeom>
-        </p:spPr>
-        <p:style>
-          <a:lnRef idx="2">
-            <a:schemeClr val="accent1">
-              <a:shade val="50000"/>
-            </a:schemeClr>
-          </a:lnRef>
-          <a:fillRef idx="1">
-            <a:schemeClr val="accent1"/>
-          </a:fillRef>
-          <a:effectRef idx="0">
-            <a:schemeClr val="accent1"/>
-          </a:effectRef>
-          <a:fontRef idx="minor">
-            <a:schemeClr val="lt1"/>
-          </a:fontRef>
-        </p:style>
-        <p:txBody>
-          <a:bodyPr rtlCol="0" anchor="ctr"/>
-          <a:lstStyle/>
-          <a:p>
-            <a:pPr algn="ctr"/>
-            <a:endParaRPr lang="en-CA"/>
-          </a:p>
-        </p:txBody>
-      </p:sp>
-      <p:sp>
-        <p:nvSpPr>
-          <p:cNvPr id="5" name="Oval 4"/>
-          <p:cNvSpPr/>
-          <p:nvPr/>
-        </p:nvSpPr>
-        <p:spPr>
-          <a:xfrm>
-            <a:off x="3577510" y="3073011"/>
-            <a:ext cx="720000" cy="720000"/>
-          </a:xfrm>
-          <a:prstGeom prst="ellipse">
-            <a:avLst/>
-          </a:prstGeom>
-        </p:spPr>
-        <p:style>
-          <a:lnRef idx="2">
-            <a:schemeClr val="accent3">
-              <a:shade val="50000"/>
-            </a:schemeClr>
-          </a:lnRef>
-          <a:fillRef idx="1">
-            <a:schemeClr val="accent3"/>
-          </a:fillRef>
-          <a:effectRef idx="0">
-            <a:schemeClr val="accent3"/>
-          </a:effectRef>
-          <a:fontRef idx="minor">
-            <a:schemeClr val="lt1"/>
-          </a:fontRef>
-        </p:style>
-        <p:txBody>
-          <a:bodyPr rtlCol="0" anchor="ctr"/>
-          <a:lstStyle/>
-          <a:p>
-            <a:pPr algn="ctr"/>
-            <a:endParaRPr lang="en-CA"/>
-          </a:p>
-        </p:txBody>
-      </p:sp>
-      <p:sp>
-        <p:nvSpPr>
-          <p:cNvPr id="6" name="Oval 5"/>
-          <p:cNvSpPr/>
-          <p:nvPr/>
-        </p:nvSpPr>
-        <p:spPr>
-          <a:xfrm>
-            <a:off x="5557003" y="3070259"/>
-            <a:ext cx="720000" cy="720000"/>
-          </a:xfrm>
-          <a:prstGeom prst="ellipse">
-            <a:avLst/>
-          </a:prstGeom>
-        </p:spPr>
-        <p:style>
-          <a:lnRef idx="2">
-            <a:schemeClr val="accent3">
-              <a:shade val="50000"/>
-            </a:schemeClr>
-          </a:lnRef>
-          <a:fillRef idx="1">
-            <a:schemeClr val="accent3"/>
-          </a:fillRef>
-          <a:effectRef idx="0">
-            <a:schemeClr val="accent3"/>
-          </a:effectRef>
-          <a:fontRef idx="minor">
-            <a:schemeClr val="lt1"/>
-          </a:fontRef>
-        </p:style>
-        <p:txBody>
-          <a:bodyPr rtlCol="0" anchor="ctr"/>
-          <a:lstStyle/>
-          <a:p>
-            <a:pPr algn="ctr"/>
-            <a:endParaRPr lang="en-CA"/>
-          </a:p>
-        </p:txBody>
-      </p:sp>
-      <p:sp>
-        <p:nvSpPr>
-          <p:cNvPr id="7" name="Oval 6"/>
-          <p:cNvSpPr/>
-          <p:nvPr/>
-        </p:nvSpPr>
-        <p:spPr>
-          <a:xfrm>
-            <a:off x="7536157" y="3064239"/>
-            <a:ext cx="720000" cy="720000"/>
-          </a:xfrm>
-          <a:prstGeom prst="ellipse">
-            <a:avLst/>
-          </a:prstGeom>
-        </p:spPr>
-        <p:style>
-          <a:lnRef idx="2">
-            <a:schemeClr val="accent3">
-              <a:shade val="50000"/>
-            </a:schemeClr>
-          </a:lnRef>
-          <a:fillRef idx="1">
-            <a:schemeClr val="accent3"/>
-          </a:fillRef>
-          <a:effectRef idx="0">
-            <a:schemeClr val="accent3"/>
-          </a:effectRef>
-          <a:fontRef idx="minor">
-            <a:schemeClr val="lt1"/>
-          </a:fontRef>
-        </p:style>
-        <p:txBody>
-          <a:bodyPr rtlCol="0" anchor="ctr"/>
-          <a:lstStyle/>
-          <a:p>
-            <a:pPr algn="ctr"/>
-            <a:endParaRPr lang="en-CA"/>
-          </a:p>
-        </p:txBody>
-      </p:sp>
-      <p:cxnSp>
-        <p:nvCxnSpPr>
-          <p:cNvPr id="22" name="Straight Arrow Connector 21"/>
-          <p:cNvCxnSpPr/>
-          <p:nvPr/>
-        </p:nvCxnSpPr>
-        <p:spPr>
-          <a:xfrm>
-            <a:off x="2662989" y="2630905"/>
-            <a:ext cx="6480000" cy="29749"/>
-          </a:xfrm>
-          <a:prstGeom prst="straightConnector1">
-            <a:avLst/>
-          </a:prstGeom>
-          <a:ln>
-            <a:headEnd type="triangle"/>
-            <a:tailEnd type="triangle"/>
-          </a:ln>
-        </p:spPr>
-        <p:style>
-          <a:lnRef idx="1">
-            <a:schemeClr val="accent1"/>
-          </a:lnRef>
-          <a:fillRef idx="0">
-            <a:schemeClr val="accent1"/>
-          </a:fillRef>
-          <a:effectRef idx="0">
-            <a:schemeClr val="accent1"/>
-          </a:effectRef>
-          <a:fontRef idx="minor">
-            <a:schemeClr val="tx1"/>
-          </a:fontRef>
-        </p:style>
-      </p:cxnSp>
-      <p:cxnSp>
-        <p:nvCxnSpPr>
-          <p:cNvPr id="23" name="Straight Arrow Connector 22"/>
-          <p:cNvCxnSpPr/>
-          <p:nvPr/>
-        </p:nvCxnSpPr>
-        <p:spPr>
-          <a:xfrm flipV="1">
-            <a:off x="2519052" y="2791327"/>
-            <a:ext cx="0" cy="1259999"/>
-          </a:xfrm>
-          <a:prstGeom prst="straightConnector1">
-            <a:avLst/>
-          </a:prstGeom>
-          <a:ln>
-            <a:headEnd type="triangle"/>
-            <a:tailEnd type="triangle"/>
-          </a:ln>
-        </p:spPr>
-        <p:style>
-          <a:lnRef idx="1">
-            <a:schemeClr val="accent1"/>
-          </a:lnRef>
-          <a:fillRef idx="0">
-            <a:schemeClr val="accent1"/>
-          </a:fillRef>
-          <a:effectRef idx="0">
-            <a:schemeClr val="accent1"/>
-          </a:effectRef>
-          <a:fontRef idx="minor">
-            <a:schemeClr val="tx1"/>
-          </a:fontRef>
-        </p:style>
-      </p:cxnSp>
-      <p:sp>
-        <p:nvSpPr>
-          <p:cNvPr id="28" name="TextBox 27"/>
-          <p:cNvSpPr txBox="1"/>
-          <p:nvPr/>
-        </p:nvSpPr>
-        <p:spPr>
-          <a:xfrm rot="16200000">
-            <a:off x="1818844" y="3248345"/>
-            <a:ext cx="922421" cy="369332"/>
-          </a:xfrm>
-          <a:prstGeom prst="rect">
-            <a:avLst/>
-          </a:prstGeom>
-          <a:noFill/>
-        </p:spPr>
-        <p:txBody>
-          <a:bodyPr wrap="square" rtlCol="0">
-            <a:spAutoFit/>
-          </a:bodyPr>
-          <a:lstStyle/>
-          <a:p>
-            <a:r>
-              <a:rPr lang="en-US" dirty="0"/>
-              <a:t>70mm</a:t>
-            </a:r>
-          </a:p>
-        </p:txBody>
-      </p:sp>
-      <p:sp>
-        <p:nvSpPr>
-          <p:cNvPr id="29" name="TextBox 28"/>
-          <p:cNvSpPr txBox="1"/>
-          <p:nvPr/>
-        </p:nvSpPr>
-        <p:spPr>
-          <a:xfrm>
-            <a:off x="5081778" y="2230214"/>
-            <a:ext cx="922421" cy="369332"/>
-          </a:xfrm>
-          <a:prstGeom prst="rect">
-            <a:avLst/>
-          </a:prstGeom>
-          <a:noFill/>
-        </p:spPr>
-        <p:txBody>
-          <a:bodyPr wrap="square" rtlCol="0">
-            <a:spAutoFit/>
-          </a:bodyPr>
-          <a:lstStyle/>
-          <a:p>
-            <a:r>
-              <a:rPr lang="en-US" dirty="0"/>
-              <a:t>360mm</a:t>
-            </a:r>
-            <a:endParaRPr lang="en-CA" dirty="0"/>
-          </a:p>
-        </p:txBody>
-      </p:sp>
-      <p:cxnSp>
-        <p:nvCxnSpPr>
-          <p:cNvPr id="31" name="Straight Arrow Connector 30"/>
-          <p:cNvCxnSpPr>
-            <a:stCxn id="5" idx="1"/>
-            <a:endCxn id="5" idx="5"/>
-          </p:cNvCxnSpPr>
-          <p:nvPr/>
-        </p:nvCxnSpPr>
-        <p:spPr>
-          <a:xfrm>
-            <a:off x="3682952" y="3153222"/>
-            <a:ext cx="509116" cy="509116"/>
-          </a:xfrm>
-          <a:prstGeom prst="straightConnector1">
-            <a:avLst/>
-          </a:prstGeom>
-          <a:ln>
-            <a:solidFill>
-              <a:srgbClr val="FF0000"/>
-            </a:solidFill>
-            <a:headEnd type="triangle"/>
-            <a:tailEnd type="triangle"/>
-          </a:ln>
-        </p:spPr>
-        <p:style>
-          <a:lnRef idx="1">
-            <a:schemeClr val="accent1"/>
-          </a:lnRef>
-          <a:fillRef idx="0">
-            <a:schemeClr val="accent1"/>
-          </a:fillRef>
-          <a:effectRef idx="0">
-            <a:schemeClr val="accent1"/>
-          </a:effectRef>
-          <a:fontRef idx="minor">
-            <a:schemeClr val="tx1"/>
-          </a:fontRef>
-        </p:style>
-      </p:cxnSp>
-      <p:cxnSp>
-        <p:nvCxnSpPr>
-          <p:cNvPr id="32" name="Straight Arrow Connector 31"/>
-          <p:cNvCxnSpPr/>
-          <p:nvPr/>
-        </p:nvCxnSpPr>
-        <p:spPr>
-          <a:xfrm>
-            <a:off x="5635440" y="3152791"/>
-            <a:ext cx="509116" cy="509116"/>
-          </a:xfrm>
-          <a:prstGeom prst="straightConnector1">
-            <a:avLst/>
-          </a:prstGeom>
-          <a:ln>
-            <a:solidFill>
-              <a:srgbClr val="FF0000"/>
-            </a:solidFill>
-            <a:headEnd type="triangle"/>
-            <a:tailEnd type="triangle"/>
-          </a:ln>
-        </p:spPr>
-        <p:style>
-          <a:lnRef idx="1">
-            <a:schemeClr val="accent1"/>
-          </a:lnRef>
-          <a:fillRef idx="0">
-            <a:schemeClr val="accent1"/>
-          </a:fillRef>
-          <a:effectRef idx="0">
-            <a:schemeClr val="accent1"/>
-          </a:effectRef>
-          <a:fontRef idx="minor">
-            <a:schemeClr val="tx1"/>
-          </a:fontRef>
-        </p:style>
-      </p:cxnSp>
-      <p:cxnSp>
-        <p:nvCxnSpPr>
-          <p:cNvPr id="33" name="Straight Arrow Connector 32"/>
-          <p:cNvCxnSpPr/>
-          <p:nvPr/>
-        </p:nvCxnSpPr>
-        <p:spPr>
-          <a:xfrm>
-            <a:off x="7630679" y="3152791"/>
-            <a:ext cx="509116" cy="509116"/>
-          </a:xfrm>
-          <a:prstGeom prst="straightConnector1">
-            <a:avLst/>
-          </a:prstGeom>
-          <a:ln>
-            <a:solidFill>
-              <a:srgbClr val="FF0000"/>
-            </a:solidFill>
-            <a:headEnd type="triangle"/>
-            <a:tailEnd type="triangle"/>
-          </a:ln>
-        </p:spPr>
-        <p:style>
-          <a:lnRef idx="1">
-            <a:schemeClr val="accent1"/>
-          </a:lnRef>
-          <a:fillRef idx="0">
-            <a:schemeClr val="accent1"/>
-          </a:fillRef>
-          <a:effectRef idx="0">
-            <a:schemeClr val="accent1"/>
-          </a:effectRef>
-          <a:fontRef idx="minor">
-            <a:schemeClr val="tx1"/>
-          </a:fontRef>
-        </p:style>
-      </p:cxnSp>
-      <p:sp>
-        <p:nvSpPr>
-          <p:cNvPr id="34" name="TextBox 33"/>
-          <p:cNvSpPr txBox="1"/>
-          <p:nvPr/>
-        </p:nvSpPr>
-        <p:spPr>
-          <a:xfrm rot="2702166">
-            <a:off x="3731975" y="3219155"/>
-            <a:ext cx="561474" cy="261610"/>
-          </a:xfrm>
-          <a:prstGeom prst="rect">
-            <a:avLst/>
-          </a:prstGeom>
-          <a:noFill/>
-        </p:spPr>
-        <p:txBody>
-          <a:bodyPr wrap="square" rtlCol="0">
-            <a:spAutoFit/>
-          </a:bodyPr>
-          <a:lstStyle/>
-          <a:p>
-            <a:r>
-              <a:rPr lang="en-US" sz="1100" dirty="0"/>
-              <a:t>40mm</a:t>
-            </a:r>
-            <a:endParaRPr lang="en-CA" dirty="0"/>
-          </a:p>
-        </p:txBody>
-      </p:sp>
-      <p:sp>
-        <p:nvSpPr>
-          <p:cNvPr id="35" name="TextBox 34"/>
-          <p:cNvSpPr txBox="1"/>
-          <p:nvPr/>
-        </p:nvSpPr>
-        <p:spPr>
-          <a:xfrm rot="2702166">
-            <a:off x="5668703" y="3197281"/>
-            <a:ext cx="561474" cy="261610"/>
-          </a:xfrm>
-          <a:prstGeom prst="rect">
-            <a:avLst/>
-          </a:prstGeom>
-          <a:noFill/>
-        </p:spPr>
-        <p:txBody>
-          <a:bodyPr wrap="square" rtlCol="0">
-            <a:spAutoFit/>
-          </a:bodyPr>
-          <a:lstStyle/>
-          <a:p>
-            <a:r>
-              <a:rPr lang="en-US" sz="1100" dirty="0"/>
-              <a:t>40mm</a:t>
-            </a:r>
-            <a:endParaRPr lang="en-CA" dirty="0"/>
-          </a:p>
-        </p:txBody>
-      </p:sp>
-      <p:sp>
-        <p:nvSpPr>
-          <p:cNvPr id="36" name="TextBox 35"/>
-          <p:cNvSpPr txBox="1"/>
-          <p:nvPr/>
-        </p:nvSpPr>
-        <p:spPr>
-          <a:xfrm rot="2702166">
-            <a:off x="7692227" y="3240030"/>
-            <a:ext cx="561474" cy="261610"/>
-          </a:xfrm>
-          <a:prstGeom prst="rect">
-            <a:avLst/>
-          </a:prstGeom>
-          <a:noFill/>
-        </p:spPr>
-        <p:txBody>
-          <a:bodyPr wrap="square" rtlCol="0">
-            <a:spAutoFit/>
-          </a:bodyPr>
-          <a:lstStyle/>
-          <a:p>
-            <a:r>
-              <a:rPr lang="en-US" sz="1100" dirty="0"/>
-              <a:t>40mm</a:t>
-            </a:r>
-            <a:endParaRPr lang="en-CA" dirty="0"/>
-          </a:p>
-        </p:txBody>
-      </p:sp>
-      <p:cxnSp>
-        <p:nvCxnSpPr>
-          <p:cNvPr id="48" name="Straight Arrow Connector 47"/>
-          <p:cNvCxnSpPr>
-            <a:stCxn id="5" idx="6"/>
-            <a:endCxn id="6" idx="2"/>
-          </p:cNvCxnSpPr>
-          <p:nvPr/>
-        </p:nvCxnSpPr>
-        <p:spPr>
-          <a:xfrm flipV="1">
-            <a:off x="4297510" y="3430259"/>
-            <a:ext cx="1259493" cy="2752"/>
-          </a:xfrm>
-          <a:prstGeom prst="straightConnector1">
-            <a:avLst/>
-          </a:prstGeom>
-          <a:ln>
-            <a:headEnd type="triangle"/>
-            <a:tailEnd type="triangle"/>
-          </a:ln>
-        </p:spPr>
-        <p:style>
-          <a:lnRef idx="1">
-            <a:schemeClr val="dk1"/>
-          </a:lnRef>
-          <a:fillRef idx="0">
-            <a:schemeClr val="dk1"/>
-          </a:fillRef>
-          <a:effectRef idx="0">
-            <a:schemeClr val="dk1"/>
-          </a:effectRef>
-          <a:fontRef idx="minor">
-            <a:schemeClr val="tx1"/>
-          </a:fontRef>
-        </p:style>
-      </p:cxnSp>
-      <p:cxnSp>
-        <p:nvCxnSpPr>
-          <p:cNvPr id="49" name="Straight Arrow Connector 48"/>
-          <p:cNvCxnSpPr>
-            <a:stCxn id="6" idx="6"/>
-          </p:cNvCxnSpPr>
-          <p:nvPr/>
-        </p:nvCxnSpPr>
-        <p:spPr>
-          <a:xfrm>
-            <a:off x="6277003" y="3430259"/>
-            <a:ext cx="1264020" cy="10334"/>
-          </a:xfrm>
-          <a:prstGeom prst="straightConnector1">
-            <a:avLst/>
-          </a:prstGeom>
-          <a:ln>
-            <a:headEnd type="triangle"/>
-            <a:tailEnd type="triangle"/>
-          </a:ln>
-        </p:spPr>
-        <p:style>
-          <a:lnRef idx="1">
-            <a:schemeClr val="dk1"/>
-          </a:lnRef>
-          <a:fillRef idx="0">
-            <a:schemeClr val="dk1"/>
-          </a:fillRef>
-          <a:effectRef idx="0">
-            <a:schemeClr val="dk1"/>
-          </a:effectRef>
-          <a:fontRef idx="minor">
-            <a:schemeClr val="tx1"/>
-          </a:fontRef>
-        </p:style>
-      </p:cxnSp>
-      <p:sp>
-        <p:nvSpPr>
-          <p:cNvPr id="50" name="TextBox 49"/>
-          <p:cNvSpPr txBox="1"/>
-          <p:nvPr/>
-        </p:nvSpPr>
-        <p:spPr>
-          <a:xfrm>
-            <a:off x="4535675" y="3126612"/>
-            <a:ext cx="713182" cy="307777"/>
-          </a:xfrm>
-          <a:prstGeom prst="rect">
-            <a:avLst/>
-          </a:prstGeom>
-          <a:noFill/>
-        </p:spPr>
-        <p:txBody>
-          <a:bodyPr wrap="square" rtlCol="0">
-            <a:spAutoFit/>
-          </a:bodyPr>
-          <a:lstStyle/>
-          <a:p>
-            <a:r>
-              <a:rPr lang="en-US" sz="1400" dirty="0"/>
-              <a:t>60mm</a:t>
-            </a:r>
-            <a:endParaRPr lang="en-CA" dirty="0"/>
-          </a:p>
-        </p:txBody>
-      </p:sp>
-      <p:sp>
-        <p:nvSpPr>
-          <p:cNvPr id="51" name="TextBox 50"/>
-          <p:cNvSpPr txBox="1"/>
-          <p:nvPr/>
-        </p:nvSpPr>
-        <p:spPr>
-          <a:xfrm>
-            <a:off x="6635672" y="3126181"/>
-            <a:ext cx="713182" cy="307777"/>
-          </a:xfrm>
-          <a:prstGeom prst="rect">
-            <a:avLst/>
-          </a:prstGeom>
-          <a:noFill/>
-        </p:spPr>
-        <p:txBody>
-          <a:bodyPr wrap="square" rtlCol="0">
-            <a:spAutoFit/>
-          </a:bodyPr>
-          <a:lstStyle/>
-          <a:p>
-            <a:r>
-              <a:rPr lang="en-US" sz="1400" dirty="0"/>
-              <a:t>60mm</a:t>
-            </a:r>
-            <a:endParaRPr lang="en-CA" dirty="0"/>
-          </a:p>
-        </p:txBody>
-      </p:sp>
-      <p:cxnSp>
-        <p:nvCxnSpPr>
-          <p:cNvPr id="59" name="Straight Arrow Connector 58"/>
-          <p:cNvCxnSpPr>
-            <a:stCxn id="5" idx="0"/>
-          </p:cNvCxnSpPr>
-          <p:nvPr/>
-        </p:nvCxnSpPr>
-        <p:spPr>
-          <a:xfrm flipH="1" flipV="1">
-            <a:off x="3920344" y="2791327"/>
-            <a:ext cx="2645" cy="252000"/>
-          </a:xfrm>
-          <a:prstGeom prst="straightConnector1">
-            <a:avLst/>
-          </a:prstGeom>
-          <a:ln>
-            <a:headEnd type="triangle"/>
-            <a:tailEnd type="triangle"/>
-          </a:ln>
-        </p:spPr>
-        <p:style>
-          <a:lnRef idx="1">
-            <a:schemeClr val="dk1"/>
-          </a:lnRef>
-          <a:fillRef idx="0">
-            <a:schemeClr val="dk1"/>
-          </a:fillRef>
-          <a:effectRef idx="0">
-            <a:schemeClr val="dk1"/>
-          </a:effectRef>
-          <a:fontRef idx="minor">
-            <a:schemeClr val="tx1"/>
-          </a:fontRef>
-        </p:style>
-      </p:cxnSp>
-      <p:sp>
-        <p:nvSpPr>
-          <p:cNvPr id="60" name="TextBox 59"/>
-          <p:cNvSpPr txBox="1"/>
-          <p:nvPr/>
-        </p:nvSpPr>
-        <p:spPr>
-          <a:xfrm rot="16200000">
-            <a:off x="3787165" y="2708824"/>
-            <a:ext cx="719054" cy="307777"/>
-          </a:xfrm>
-          <a:prstGeom prst="rect">
-            <a:avLst/>
-          </a:prstGeom>
-          <a:noFill/>
-        </p:spPr>
-        <p:txBody>
-          <a:bodyPr wrap="square" rtlCol="0">
-            <a:spAutoFit/>
-          </a:bodyPr>
-          <a:lstStyle/>
-          <a:p>
-            <a:r>
-              <a:rPr lang="en-US" sz="1400" dirty="0"/>
-              <a:t>15mm</a:t>
-            </a:r>
-            <a:endParaRPr lang="en-CA" sz="1400" dirty="0"/>
-          </a:p>
-        </p:txBody>
-      </p:sp>
-      <p:cxnSp>
-        <p:nvCxnSpPr>
-          <p:cNvPr id="64" name="Straight Arrow Connector 63"/>
-          <p:cNvCxnSpPr/>
-          <p:nvPr/>
-        </p:nvCxnSpPr>
-        <p:spPr>
-          <a:xfrm>
-            <a:off x="2707599" y="3407349"/>
-            <a:ext cx="880734" cy="432"/>
-          </a:xfrm>
-          <a:prstGeom prst="straightConnector1">
-            <a:avLst/>
-          </a:prstGeom>
-          <a:ln>
-            <a:headEnd type="triangle"/>
-            <a:tailEnd type="triangle"/>
-          </a:ln>
-        </p:spPr>
-        <p:style>
-          <a:lnRef idx="1">
-            <a:schemeClr val="dk1"/>
-          </a:lnRef>
-          <a:fillRef idx="0">
-            <a:schemeClr val="dk1"/>
-          </a:fillRef>
-          <a:effectRef idx="0">
-            <a:schemeClr val="dk1"/>
-          </a:effectRef>
-          <a:fontRef idx="minor">
-            <a:schemeClr val="tx1"/>
-          </a:fontRef>
-        </p:style>
-      </p:cxnSp>
-      <p:sp>
-        <p:nvSpPr>
-          <p:cNvPr id="65" name="TextBox 64"/>
-          <p:cNvSpPr txBox="1"/>
-          <p:nvPr/>
-        </p:nvSpPr>
-        <p:spPr>
-          <a:xfrm>
-            <a:off x="2746498" y="3126612"/>
-            <a:ext cx="713182" cy="307777"/>
-          </a:xfrm>
-          <a:prstGeom prst="rect">
-            <a:avLst/>
-          </a:prstGeom>
-          <a:noFill/>
-        </p:spPr>
-        <p:txBody>
-          <a:bodyPr wrap="square" rtlCol="0">
-            <a:spAutoFit/>
-          </a:bodyPr>
-          <a:lstStyle/>
-          <a:p>
-            <a:r>
-              <a:rPr lang="en-US" sz="1400" dirty="0"/>
-              <a:t>60mm</a:t>
-            </a:r>
-            <a:endParaRPr lang="en-CA" dirty="0"/>
-          </a:p>
-        </p:txBody>
-      </p:sp>
-      <p:cxnSp>
-        <p:nvCxnSpPr>
-          <p:cNvPr id="67" name="Straight Arrow Connector 66"/>
-          <p:cNvCxnSpPr/>
-          <p:nvPr/>
-        </p:nvCxnSpPr>
-        <p:spPr>
-          <a:xfrm flipV="1">
-            <a:off x="8254008" y="3433958"/>
-            <a:ext cx="888981" cy="1"/>
-          </a:xfrm>
-          <a:prstGeom prst="straightConnector1">
-            <a:avLst/>
-          </a:prstGeom>
-          <a:ln>
-            <a:headEnd type="triangle"/>
-            <a:tailEnd type="triangle"/>
-          </a:ln>
-        </p:spPr>
-        <p:style>
-          <a:lnRef idx="1">
-            <a:schemeClr val="dk1"/>
-          </a:lnRef>
-          <a:fillRef idx="0">
-            <a:schemeClr val="dk1"/>
-          </a:fillRef>
-          <a:effectRef idx="0">
-            <a:schemeClr val="dk1"/>
-          </a:effectRef>
-          <a:fontRef idx="minor">
-            <a:schemeClr val="tx1"/>
-          </a:fontRef>
-        </p:style>
-      </p:cxnSp>
-      <p:sp>
-        <p:nvSpPr>
-          <p:cNvPr id="68" name="TextBox 67"/>
-          <p:cNvSpPr txBox="1"/>
-          <p:nvPr/>
-        </p:nvSpPr>
-        <p:spPr>
-          <a:xfrm>
-            <a:off x="8310133" y="3126181"/>
-            <a:ext cx="713182" cy="307777"/>
-          </a:xfrm>
-          <a:prstGeom prst="rect">
-            <a:avLst/>
-          </a:prstGeom>
-          <a:noFill/>
-        </p:spPr>
-        <p:txBody>
-          <a:bodyPr wrap="square" rtlCol="0">
-            <a:spAutoFit/>
-          </a:bodyPr>
-          <a:lstStyle/>
-          <a:p>
-            <a:r>
-              <a:rPr lang="en-US" sz="1400" dirty="0"/>
-              <a:t>60mm</a:t>
-            </a:r>
-            <a:endParaRPr lang="en-CA" dirty="0"/>
-          </a:p>
-        </p:txBody>
-      </p:sp>
-      <p:sp>
-        <p:nvSpPr>
-          <p:cNvPr id="71" name="Title 1"/>
-          <p:cNvSpPr txBox="1">
-            <a:spLocks/>
-          </p:cNvSpPr>
-          <p:nvPr/>
-        </p:nvSpPr>
-        <p:spPr>
-          <a:xfrm>
-            <a:off x="990600" y="517525"/>
-            <a:ext cx="10515600" cy="1325563"/>
-          </a:xfrm>
-          <a:prstGeom prst="rect">
-            <a:avLst/>
-          </a:prstGeom>
-        </p:spPr>
-        <p:txBody>
-          <a:bodyPr vert="horz" lIns="91440" tIns="45720" rIns="91440" bIns="45720" rtlCol="0" anchor="ctr">
-            <a:normAutofit/>
-          </a:bodyPr>
-          <a:lstStyle>
-            <a:lvl1pPr algn="l" defTabSz="914400" rtl="0" eaLnBrk="1" latinLnBrk="0" hangingPunct="1">
-              <a:lnSpc>
-                <a:spcPct val="90000"/>
-              </a:lnSpc>
-              <a:spcBef>
-                <a:spcPct val="0"/>
-              </a:spcBef>
-              <a:buNone/>
-              <a:defRPr sz="4400" kern="1200">
-                <a:solidFill>
-                  <a:schemeClr val="tx1"/>
-                </a:solidFill>
-                <a:latin typeface="+mj-lt"/>
-                <a:ea typeface="+mj-ea"/>
-                <a:cs typeface="+mj-cs"/>
-              </a:defRPr>
-            </a:lvl1pPr>
-          </a:lstStyle>
-          <a:p>
-            <a:r>
-              <a:rPr lang="en-US" sz="4000" dirty="0"/>
-              <a:t>Sketch 2D model one line</a:t>
-            </a:r>
-            <a:endParaRPr lang="en-CA" sz="4000" dirty="0"/>
-          </a:p>
-        </p:txBody>
-      </p:sp>
-      <p:sp>
-        <p:nvSpPr>
-          <p:cNvPr id="3" name="TextBox 2">
-            <a:extLst>
-              <a:ext uri="{FF2B5EF4-FFF2-40B4-BE49-F238E27FC236}">
-                <a16:creationId xmlns:a16="http://schemas.microsoft.com/office/drawing/2014/main" id="{7156B94C-3830-4502-8513-CBB832DA7FB7}"/>
-              </a:ext>
-            </a:extLst>
-          </p:cNvPr>
-          <p:cNvSpPr txBox="1"/>
-          <p:nvPr/>
-        </p:nvSpPr>
-        <p:spPr>
-          <a:xfrm>
-            <a:off x="1000125" y="1377434"/>
-            <a:ext cx="6096000" cy="307777"/>
-          </a:xfrm>
-          <a:prstGeom prst="rect">
-            <a:avLst/>
-          </a:prstGeom>
-          <a:noFill/>
-        </p:spPr>
-        <p:txBody>
-          <a:bodyPr wrap="square">
-            <a:spAutoFit/>
-          </a:bodyPr>
-          <a:lstStyle/>
-          <a:p>
-            <a:r>
-              <a:rPr lang="en-CA" sz="1400" i="1" dirty="0">
-                <a:solidFill>
-                  <a:srgbClr val="FF0000"/>
-                </a:solidFill>
-              </a:rPr>
-              <a:t>For information only. Dimensions are subject to change. </a:t>
-            </a:r>
-          </a:p>
-        </p:txBody>
-      </p:sp>
-    </p:spTree>
-    <p:extLst>
-      <p:ext uri="{BB962C8B-B14F-4D97-AF65-F5344CB8AC3E}">
-        <p14:creationId xmlns:p14="http://schemas.microsoft.com/office/powerpoint/2010/main" val="3217493218"/>
-      </p:ext>
-    </p:extLst>
-  </p:cSld>
-  <p:clrMapOvr>
-    <a:masterClrMapping/>
-  </p:clrMapOvr>
-</p:sld>
-</file>
-
-<file path=ppt/slides/slide20.xml><?xml version="1.0" encoding="utf-8"?>
+<file path=ppt/slides/slide21.xml><?xml version="1.0" encoding="utf-8"?>
 <p:sld xmlns:a="http://schemas.openxmlformats.org/drawingml/2006/main" xmlns:r="http://schemas.openxmlformats.org/officeDocument/2006/relationships" xmlns:p="http://schemas.openxmlformats.org/presentationml/2006/main">
   <p:cSld>
     <p:spTree>
@@ -13719,118 +13937,6 @@
     <p:extLst>
       <p:ext uri="{BB962C8B-B14F-4D97-AF65-F5344CB8AC3E}">
         <p14:creationId xmlns:p14="http://schemas.microsoft.com/office/powerpoint/2010/main" val="2906069772"/>
-      </p:ext>
-    </p:extLst>
-  </p:cSld>
-  <p:clrMapOvr>
-    <a:masterClrMapping/>
-  </p:clrMapOvr>
-</p:sld>
-</file>
-
-<file path=ppt/slides/slide21.xml><?xml version="1.0" encoding="utf-8"?>
-<p:sld xmlns:a="http://schemas.openxmlformats.org/drawingml/2006/main" xmlns:r="http://schemas.openxmlformats.org/officeDocument/2006/relationships" xmlns:p="http://schemas.openxmlformats.org/presentationml/2006/main">
-  <p:cSld>
-    <p:spTree>
-      <p:nvGrpSpPr>
-        <p:cNvPr id="1" name=""/>
-        <p:cNvGrpSpPr/>
-        <p:nvPr/>
-      </p:nvGrpSpPr>
-      <p:grpSpPr>
-        <a:xfrm>
-          <a:off x="0" y="0"/>
-          <a:ext cx="0" cy="0"/>
-          <a:chOff x="0" y="0"/>
-          <a:chExt cx="0" cy="0"/>
-        </a:xfrm>
-      </p:grpSpPr>
-      <p:sp>
-        <p:nvSpPr>
-          <p:cNvPr id="2" name="Title 1">
-            <a:extLst>
-              <a:ext uri="{FF2B5EF4-FFF2-40B4-BE49-F238E27FC236}">
-                <a16:creationId xmlns:a16="http://schemas.microsoft.com/office/drawing/2014/main" id="{B10B8A9A-0825-C4BB-B5A0-07B9C086E50A}"/>
-              </a:ext>
-            </a:extLst>
-          </p:cNvPr>
-          <p:cNvSpPr>
-            <a:spLocks noGrp="1"/>
-          </p:cNvSpPr>
-          <p:nvPr>
-            <p:ph type="title"/>
-          </p:nvPr>
-        </p:nvSpPr>
-        <p:spPr/>
-        <p:txBody>
-          <a:bodyPr/>
-          <a:lstStyle/>
-          <a:p>
-            <a:r>
-              <a:rPr lang="en-CA" dirty="0"/>
-              <a:t>Setup time</a:t>
-            </a:r>
-          </a:p>
-        </p:txBody>
-      </p:sp>
-      <p:sp>
-        <p:nvSpPr>
-          <p:cNvPr id="3" name="Content Placeholder 2">
-            <a:extLst>
-              <a:ext uri="{FF2B5EF4-FFF2-40B4-BE49-F238E27FC236}">
-                <a16:creationId xmlns:a16="http://schemas.microsoft.com/office/drawing/2014/main" id="{3493BC33-90A8-02FC-00C7-733F84AA60B8}"/>
-              </a:ext>
-            </a:extLst>
-          </p:cNvPr>
-          <p:cNvSpPr>
-            <a:spLocks noGrp="1"/>
-          </p:cNvSpPr>
-          <p:nvPr>
-            <p:ph idx="1"/>
-          </p:nvPr>
-        </p:nvSpPr>
-        <p:spPr/>
-        <p:txBody>
-          <a:bodyPr/>
-          <a:lstStyle/>
-          <a:p>
-            <a:r>
-              <a:rPr lang="en-CA" i="1" u="sng" dirty="0"/>
-              <a:t>Step 1</a:t>
-            </a:r>
-            <a:r>
-              <a:rPr lang="en-CA" dirty="0"/>
-              <a:t>: </a:t>
-            </a:r>
-            <a:r>
-              <a:rPr lang="en-US" dirty="0"/>
-              <a:t>Position the cameras, making sure there's no pitch or yaw by using the setup view on </a:t>
-            </a:r>
-            <a:r>
-              <a:rPr lang="en-US" dirty="0" err="1"/>
-              <a:t>CaptureWorks</a:t>
-            </a:r>
-            <a:r>
-              <a:rPr lang="en-US" dirty="0"/>
-              <a:t> that will only shoot the laser.</a:t>
-            </a:r>
-          </a:p>
-          <a:p>
-            <a:r>
-              <a:rPr lang="en-US" i="1" u="sng" dirty="0"/>
-              <a:t>Step 2</a:t>
-            </a:r>
-            <a:r>
-              <a:rPr lang="en-US" dirty="0"/>
-              <a:t>: Place the calibration tool on the conveyor. The calibration tool doesn’t have to be perpendicular to direction of motion. One hole should be under each camera. If there is Roll around the Y-axis, it is ok if the camera sees more than one hole. </a:t>
-            </a:r>
-          </a:p>
-        </p:txBody>
-      </p:sp>
-    </p:spTree>
-    <p:extLst>
-      <p:ext uri="{BB962C8B-B14F-4D97-AF65-F5344CB8AC3E}">
-        <p14:creationId xmlns:p14="http://schemas.microsoft.com/office/powerpoint/2010/main" val="2105256777"/>
       </p:ext>
     </p:extLst>
   </p:cSld>
@@ -13859,743 +13965,90 @@
       </p:grpSpPr>
       <p:sp>
         <p:nvSpPr>
-          <p:cNvPr id="27" name="Rectangle 26"/>
-          <p:cNvSpPr/>
-          <p:nvPr/>
-        </p:nvSpPr>
-        <p:spPr>
-          <a:xfrm>
-            <a:off x="8786451" y="5668982"/>
-            <a:ext cx="1220705" cy="540000"/>
-          </a:xfrm>
-          <a:prstGeom prst="rect">
-            <a:avLst/>
-          </a:prstGeom>
-          <a:solidFill>
-            <a:schemeClr val="dk1">
-              <a:alpha val="50000"/>
-            </a:schemeClr>
-          </a:solidFill>
-          <a:ln>
-            <a:noFill/>
-          </a:ln>
-        </p:spPr>
-        <p:style>
-          <a:lnRef idx="0">
-            <a:scrgbClr r="0" g="0" b="0"/>
-          </a:lnRef>
-          <a:fillRef idx="0">
-            <a:scrgbClr r="0" g="0" b="0"/>
-          </a:fillRef>
-          <a:effectRef idx="0">
-            <a:scrgbClr r="0" g="0" b="0"/>
-          </a:effectRef>
-          <a:fontRef idx="minor">
-            <a:schemeClr val="lt1"/>
-          </a:fontRef>
-        </p:style>
-        <p:txBody>
-          <a:bodyPr rtlCol="0" anchor="ctr"/>
-          <a:lstStyle/>
-          <a:p>
-            <a:pPr algn="ctr"/>
-            <a:endParaRPr lang="en-CA"/>
-          </a:p>
-        </p:txBody>
-      </p:sp>
-      <p:sp>
-        <p:nvSpPr>
-          <p:cNvPr id="4" name="Rectangle 3"/>
-          <p:cNvSpPr/>
-          <p:nvPr/>
-        </p:nvSpPr>
-        <p:spPr>
-          <a:xfrm>
-            <a:off x="3274075" y="5670067"/>
-            <a:ext cx="1218894" cy="540000"/>
-          </a:xfrm>
-          <a:prstGeom prst="rect">
-            <a:avLst/>
-          </a:prstGeom>
-          <a:solidFill>
-            <a:schemeClr val="dk1">
-              <a:alpha val="50000"/>
-            </a:schemeClr>
-          </a:solidFill>
-          <a:ln>
-            <a:noFill/>
-          </a:ln>
-        </p:spPr>
-        <p:style>
-          <a:lnRef idx="0">
-            <a:scrgbClr r="0" g="0" b="0"/>
-          </a:lnRef>
-          <a:fillRef idx="0">
-            <a:scrgbClr r="0" g="0" b="0"/>
-          </a:fillRef>
-          <a:effectRef idx="0">
-            <a:scrgbClr r="0" g="0" b="0"/>
-          </a:effectRef>
-          <a:fontRef idx="minor">
-            <a:schemeClr val="lt1"/>
-          </a:fontRef>
-        </p:style>
-        <p:txBody>
-          <a:bodyPr rtlCol="0" anchor="ctr"/>
-          <a:lstStyle/>
-          <a:p>
-            <a:pPr algn="ctr"/>
-            <a:endParaRPr lang="en-CA"/>
-          </a:p>
-        </p:txBody>
-      </p:sp>
-      <p:sp>
-        <p:nvSpPr>
-          <p:cNvPr id="5" name="Rectangle 4"/>
-          <p:cNvSpPr/>
-          <p:nvPr/>
-        </p:nvSpPr>
-        <p:spPr>
-          <a:xfrm>
-            <a:off x="4487127" y="5670900"/>
-            <a:ext cx="720000" cy="540000"/>
-          </a:xfrm>
-          <a:prstGeom prst="rect">
-            <a:avLst/>
-          </a:prstGeom>
-          <a:solidFill>
-            <a:schemeClr val="accent3">
-              <a:alpha val="50000"/>
-            </a:schemeClr>
-          </a:solidFill>
-          <a:ln>
-            <a:noFill/>
-          </a:ln>
-        </p:spPr>
-        <p:style>
-          <a:lnRef idx="0">
-            <a:scrgbClr r="0" g="0" b="0"/>
-          </a:lnRef>
-          <a:fillRef idx="0">
-            <a:scrgbClr r="0" g="0" b="0"/>
-          </a:fillRef>
-          <a:effectRef idx="0">
-            <a:scrgbClr r="0" g="0" b="0"/>
-          </a:effectRef>
-          <a:fontRef idx="minor">
-            <a:schemeClr val="lt1"/>
-          </a:fontRef>
-        </p:style>
-        <p:txBody>
-          <a:bodyPr rtlCol="0" anchor="ctr"/>
-          <a:lstStyle/>
-          <a:p>
-            <a:pPr algn="ctr"/>
-            <a:endParaRPr lang="en-CA"/>
-          </a:p>
-        </p:txBody>
-      </p:sp>
-      <p:sp>
-        <p:nvSpPr>
-          <p:cNvPr id="6" name="Rectangle 5"/>
-          <p:cNvSpPr/>
-          <p:nvPr/>
-        </p:nvSpPr>
-        <p:spPr>
-          <a:xfrm>
-            <a:off x="5209073" y="5670900"/>
-            <a:ext cx="1080000" cy="540000"/>
-          </a:xfrm>
-          <a:prstGeom prst="rect">
-            <a:avLst/>
-          </a:prstGeom>
-          <a:solidFill>
-            <a:schemeClr val="dk1">
-              <a:alpha val="50000"/>
-            </a:schemeClr>
-          </a:solidFill>
-          <a:ln>
-            <a:noFill/>
-          </a:ln>
-        </p:spPr>
-        <p:style>
-          <a:lnRef idx="0">
-            <a:scrgbClr r="0" g="0" b="0"/>
-          </a:lnRef>
-          <a:fillRef idx="0">
-            <a:scrgbClr r="0" g="0" b="0"/>
-          </a:fillRef>
-          <a:effectRef idx="0">
-            <a:scrgbClr r="0" g="0" b="0"/>
-          </a:effectRef>
-          <a:fontRef idx="minor">
-            <a:schemeClr val="lt1"/>
-          </a:fontRef>
-        </p:style>
-        <p:txBody>
-          <a:bodyPr rtlCol="0" anchor="ctr"/>
-          <a:lstStyle/>
-          <a:p>
-            <a:pPr algn="ctr"/>
-            <a:endParaRPr lang="en-CA"/>
-          </a:p>
-        </p:txBody>
-      </p:sp>
-      <p:sp>
-        <p:nvSpPr>
-          <p:cNvPr id="7" name="Rectangle 6"/>
-          <p:cNvSpPr/>
-          <p:nvPr/>
-        </p:nvSpPr>
-        <p:spPr>
-          <a:xfrm>
-            <a:off x="6282563" y="5672157"/>
-            <a:ext cx="720000" cy="540000"/>
-          </a:xfrm>
-          <a:prstGeom prst="rect">
-            <a:avLst/>
-          </a:prstGeom>
-          <a:solidFill>
-            <a:schemeClr val="accent3">
-              <a:alpha val="50000"/>
-            </a:schemeClr>
-          </a:solidFill>
-          <a:ln>
-            <a:noFill/>
-          </a:ln>
-        </p:spPr>
-        <p:style>
-          <a:lnRef idx="0">
-            <a:scrgbClr r="0" g="0" b="0"/>
-          </a:lnRef>
-          <a:fillRef idx="0">
-            <a:scrgbClr r="0" g="0" b="0"/>
-          </a:fillRef>
-          <a:effectRef idx="0">
-            <a:scrgbClr r="0" g="0" b="0"/>
-          </a:effectRef>
-          <a:fontRef idx="minor">
-            <a:schemeClr val="lt1"/>
-          </a:fontRef>
-        </p:style>
-        <p:txBody>
-          <a:bodyPr rtlCol="0" anchor="ctr"/>
-          <a:lstStyle/>
-          <a:p>
-            <a:pPr algn="ctr"/>
-            <a:endParaRPr lang="en-CA"/>
-          </a:p>
-        </p:txBody>
-      </p:sp>
-      <p:sp>
-        <p:nvSpPr>
-          <p:cNvPr id="8" name="Rectangle 7"/>
-          <p:cNvSpPr/>
-          <p:nvPr/>
-        </p:nvSpPr>
-        <p:spPr>
-          <a:xfrm>
-            <a:off x="7002563" y="5672157"/>
-            <a:ext cx="1080000" cy="540000"/>
-          </a:xfrm>
-          <a:prstGeom prst="rect">
-            <a:avLst/>
-          </a:prstGeom>
-          <a:solidFill>
-            <a:schemeClr val="dk1">
-              <a:alpha val="50000"/>
-            </a:schemeClr>
-          </a:solidFill>
-          <a:ln>
-            <a:noFill/>
-          </a:ln>
-        </p:spPr>
-        <p:style>
-          <a:lnRef idx="0">
-            <a:scrgbClr r="0" g="0" b="0"/>
-          </a:lnRef>
-          <a:fillRef idx="0">
-            <a:scrgbClr r="0" g="0" b="0"/>
-          </a:fillRef>
-          <a:effectRef idx="0">
-            <a:scrgbClr r="0" g="0" b="0"/>
-          </a:effectRef>
-          <a:fontRef idx="minor">
-            <a:schemeClr val="lt1"/>
-          </a:fontRef>
-        </p:style>
-        <p:txBody>
-          <a:bodyPr rtlCol="0" anchor="ctr"/>
-          <a:lstStyle/>
-          <a:p>
-            <a:pPr algn="ctr"/>
-            <a:endParaRPr lang="en-CA"/>
-          </a:p>
-        </p:txBody>
-      </p:sp>
-      <p:sp>
-        <p:nvSpPr>
-          <p:cNvPr id="9" name="Trapezoid 8"/>
-          <p:cNvSpPr/>
-          <p:nvPr/>
-        </p:nvSpPr>
-        <p:spPr>
-          <a:xfrm>
-            <a:off x="3277969" y="2141437"/>
-            <a:ext cx="3150000" cy="4050000"/>
-          </a:xfrm>
-          <a:prstGeom prst="trapezoid">
-            <a:avLst/>
-          </a:prstGeom>
-          <a:solidFill>
-            <a:srgbClr val="FF0000">
-              <a:alpha val="50000"/>
-            </a:srgbClr>
-          </a:solidFill>
-          <a:ln>
-            <a:noFill/>
-          </a:ln>
-        </p:spPr>
-        <p:style>
-          <a:lnRef idx="0">
-            <a:scrgbClr r="0" g="0" b="0"/>
-          </a:lnRef>
-          <a:fillRef idx="0">
-            <a:scrgbClr r="0" g="0" b="0"/>
-          </a:fillRef>
-          <a:effectRef idx="0">
-            <a:scrgbClr r="0" g="0" b="0"/>
-          </a:effectRef>
-          <a:fontRef idx="minor">
-            <a:schemeClr val="lt1"/>
-          </a:fontRef>
-        </p:style>
-        <p:txBody>
-          <a:bodyPr rtlCol="0" anchor="ctr"/>
-          <a:lstStyle/>
-          <a:p>
-            <a:pPr algn="ctr"/>
-            <a:endParaRPr lang="en-CA" dirty="0"/>
-          </a:p>
-        </p:txBody>
-      </p:sp>
-      <p:sp>
-        <p:nvSpPr>
-          <p:cNvPr id="12" name="Rectangle 11"/>
-          <p:cNvSpPr/>
-          <p:nvPr/>
-        </p:nvSpPr>
-        <p:spPr>
-          <a:xfrm>
-            <a:off x="8066452" y="5668982"/>
-            <a:ext cx="720000" cy="540000"/>
-          </a:xfrm>
-          <a:prstGeom prst="rect">
-            <a:avLst/>
-          </a:prstGeom>
-          <a:solidFill>
-            <a:schemeClr val="accent3">
-              <a:alpha val="50000"/>
-            </a:schemeClr>
-          </a:solidFill>
-          <a:ln>
-            <a:noFill/>
-          </a:ln>
-        </p:spPr>
-        <p:style>
-          <a:lnRef idx="0">
-            <a:scrgbClr r="0" g="0" b="0"/>
-          </a:lnRef>
-          <a:fillRef idx="0">
-            <a:scrgbClr r="0" g="0" b="0"/>
-          </a:fillRef>
-          <a:effectRef idx="0">
-            <a:scrgbClr r="0" g="0" b="0"/>
-          </a:effectRef>
-          <a:fontRef idx="minor">
-            <a:schemeClr val="lt1"/>
-          </a:fontRef>
-        </p:style>
-        <p:txBody>
-          <a:bodyPr rtlCol="0" anchor="ctr"/>
-          <a:lstStyle/>
-          <a:p>
-            <a:pPr algn="ctr"/>
-            <a:endParaRPr lang="en-CA"/>
-          </a:p>
-        </p:txBody>
-      </p:sp>
-      <p:pic>
-        <p:nvPicPr>
-          <p:cNvPr id="47" name="Picture 46"/>
-          <p:cNvPicPr>
-            <a:picLocks noChangeAspect="1"/>
-          </p:cNvPicPr>
-          <p:nvPr/>
-        </p:nvPicPr>
-        <p:blipFill>
-          <a:blip r:embed="rId2"/>
-          <a:stretch>
-            <a:fillRect/>
-          </a:stretch>
-        </p:blipFill>
-        <p:spPr>
-          <a:xfrm>
-            <a:off x="4631352" y="0"/>
-            <a:ext cx="404244" cy="1038100"/>
-          </a:xfrm>
-          <a:prstGeom prst="rect">
-            <a:avLst/>
-          </a:prstGeom>
-        </p:spPr>
-      </p:pic>
-      <p:pic>
-        <p:nvPicPr>
-          <p:cNvPr id="48" name="Picture 47"/>
-          <p:cNvPicPr>
-            <a:picLocks noChangeAspect="1"/>
-          </p:cNvPicPr>
-          <p:nvPr/>
-        </p:nvPicPr>
-        <p:blipFill>
-          <a:blip r:embed="rId2"/>
-          <a:stretch>
-            <a:fillRect/>
-          </a:stretch>
-        </p:blipFill>
-        <p:spPr>
-          <a:xfrm>
-            <a:off x="6440441" y="0"/>
-            <a:ext cx="404244" cy="1038100"/>
-          </a:xfrm>
-          <a:prstGeom prst="rect">
-            <a:avLst/>
-          </a:prstGeom>
-        </p:spPr>
-      </p:pic>
-      <p:pic>
-        <p:nvPicPr>
-          <p:cNvPr id="49" name="Picture 48"/>
-          <p:cNvPicPr>
-            <a:picLocks noChangeAspect="1"/>
-          </p:cNvPicPr>
-          <p:nvPr/>
-        </p:nvPicPr>
-        <p:blipFill>
-          <a:blip r:embed="rId2"/>
-          <a:stretch>
-            <a:fillRect/>
-          </a:stretch>
-        </p:blipFill>
-        <p:spPr>
-          <a:xfrm>
-            <a:off x="8224330" y="0"/>
-            <a:ext cx="404244" cy="1038100"/>
-          </a:xfrm>
-          <a:prstGeom prst="rect">
-            <a:avLst/>
-          </a:prstGeom>
-        </p:spPr>
-      </p:pic>
-      <p:sp>
-        <p:nvSpPr>
-          <p:cNvPr id="50" name="TextBox 49"/>
-          <p:cNvSpPr txBox="1"/>
-          <p:nvPr/>
-        </p:nvSpPr>
-        <p:spPr>
-          <a:xfrm>
-            <a:off x="192505" y="272716"/>
-            <a:ext cx="3553327" cy="2308324"/>
-          </a:xfrm>
-          <a:prstGeom prst="rect">
-            <a:avLst/>
-          </a:prstGeom>
-          <a:noFill/>
-        </p:spPr>
-        <p:txBody>
-          <a:bodyPr wrap="square" rtlCol="0">
-            <a:spAutoFit/>
-          </a:bodyPr>
-          <a:lstStyle/>
-          <a:p>
-            <a:r>
-              <a:rPr lang="en-US" sz="3600" dirty="0"/>
-              <a:t>Section of the calibration tool using Medium </a:t>
-            </a:r>
-            <a:r>
-              <a:rPr lang="en-US" sz="3600" dirty="0" err="1"/>
-              <a:t>Altiz</a:t>
-            </a:r>
-            <a:endParaRPr lang="en-US" sz="3600" dirty="0"/>
-          </a:p>
-        </p:txBody>
-      </p:sp>
-      <p:sp>
-        <p:nvSpPr>
-          <p:cNvPr id="10" name="Trapezoid 9"/>
-          <p:cNvSpPr/>
-          <p:nvPr/>
-        </p:nvSpPr>
-        <p:spPr>
-          <a:xfrm>
-            <a:off x="5067563" y="2141437"/>
-            <a:ext cx="3150000" cy="4050000"/>
-          </a:xfrm>
-          <a:prstGeom prst="trapezoid">
-            <a:avLst/>
-          </a:prstGeom>
-          <a:solidFill>
-            <a:srgbClr val="FF0000">
-              <a:alpha val="50000"/>
-            </a:srgbClr>
-          </a:solidFill>
-          <a:ln>
-            <a:noFill/>
-          </a:ln>
-        </p:spPr>
-        <p:style>
-          <a:lnRef idx="0">
-            <a:scrgbClr r="0" g="0" b="0"/>
-          </a:lnRef>
-          <a:fillRef idx="0">
-            <a:scrgbClr r="0" g="0" b="0"/>
-          </a:fillRef>
-          <a:effectRef idx="0">
-            <a:scrgbClr r="0" g="0" b="0"/>
-          </a:effectRef>
-          <a:fontRef idx="minor">
-            <a:schemeClr val="lt1"/>
-          </a:fontRef>
-        </p:style>
-        <p:txBody>
-          <a:bodyPr rtlCol="0" anchor="ctr"/>
-          <a:lstStyle/>
-          <a:p>
-            <a:pPr algn="ctr"/>
-            <a:endParaRPr lang="en-CA"/>
-          </a:p>
-        </p:txBody>
-      </p:sp>
-      <p:sp>
-        <p:nvSpPr>
-          <p:cNvPr id="11" name="Trapezoid 10"/>
-          <p:cNvSpPr/>
-          <p:nvPr/>
-        </p:nvSpPr>
-        <p:spPr>
-          <a:xfrm>
-            <a:off x="6857157" y="2149705"/>
-            <a:ext cx="3150000" cy="4050000"/>
-          </a:xfrm>
-          <a:prstGeom prst="trapezoid">
-            <a:avLst/>
-          </a:prstGeom>
-          <a:solidFill>
-            <a:srgbClr val="FF0000">
-              <a:alpha val="50000"/>
-            </a:srgbClr>
-          </a:solidFill>
-          <a:ln>
-            <a:noFill/>
-          </a:ln>
-        </p:spPr>
-        <p:style>
-          <a:lnRef idx="0">
-            <a:scrgbClr r="0" g="0" b="0"/>
-          </a:lnRef>
-          <a:fillRef idx="0">
-            <a:scrgbClr r="0" g="0" b="0"/>
-          </a:fillRef>
-          <a:effectRef idx="0">
-            <a:scrgbClr r="0" g="0" b="0"/>
-          </a:effectRef>
-          <a:fontRef idx="minor">
-            <a:schemeClr val="lt1"/>
-          </a:fontRef>
-        </p:style>
-        <p:txBody>
-          <a:bodyPr rtlCol="0" anchor="ctr"/>
-          <a:lstStyle/>
-          <a:p>
-            <a:pPr algn="ctr"/>
-            <a:endParaRPr lang="en-CA" dirty="0"/>
-          </a:p>
-        </p:txBody>
-      </p:sp>
-      <p:sp>
-        <p:nvSpPr>
-          <p:cNvPr id="2" name="TextBox 1">
-            <a:extLst>
-              <a:ext uri="{FF2B5EF4-FFF2-40B4-BE49-F238E27FC236}">
-                <a16:creationId xmlns:a16="http://schemas.microsoft.com/office/drawing/2014/main" id="{035D9CB7-93D7-5957-C6AE-DC5C246EAB18}"/>
-              </a:ext>
-            </a:extLst>
-          </p:cNvPr>
-          <p:cNvSpPr txBox="1"/>
-          <p:nvPr/>
-        </p:nvSpPr>
-        <p:spPr>
-          <a:xfrm>
-            <a:off x="4254361" y="1422763"/>
-            <a:ext cx="1141423" cy="369332"/>
-          </a:xfrm>
-          <a:prstGeom prst="rect">
-            <a:avLst/>
-          </a:prstGeom>
-          <a:noFill/>
-        </p:spPr>
-        <p:txBody>
-          <a:bodyPr wrap="square" rtlCol="0">
-            <a:spAutoFit/>
-          </a:bodyPr>
+          <p:cNvPr id="2" name="Title 1">
+            <a:extLst>
+              <a:ext uri="{FF2B5EF4-FFF2-40B4-BE49-F238E27FC236}">
+                <a16:creationId xmlns:a16="http://schemas.microsoft.com/office/drawing/2014/main" id="{B10B8A9A-0825-C4BB-B5A0-07B9C086E50A}"/>
+              </a:ext>
+            </a:extLst>
+          </p:cNvPr>
+          <p:cNvSpPr>
+            <a:spLocks noGrp="1"/>
+          </p:cNvSpPr>
+          <p:nvPr>
+            <p:ph type="title"/>
+          </p:nvPr>
+        </p:nvSpPr>
+        <p:spPr/>
+        <p:txBody>
+          <a:bodyPr/>
           <a:lstStyle/>
           <a:p>
             <a:r>
               <a:rPr lang="en-CA" dirty="0"/>
-              <a:t>Main </a:t>
-            </a:r>
-            <a:r>
-              <a:rPr lang="en-CA" dirty="0" err="1"/>
-              <a:t>Altiz</a:t>
-            </a:r>
-            <a:endParaRPr lang="en-CA" dirty="0"/>
-          </a:p>
-        </p:txBody>
-      </p:sp>
-      <p:sp>
-        <p:nvSpPr>
-          <p:cNvPr id="3" name="TextBox 2">
-            <a:extLst>
-              <a:ext uri="{FF2B5EF4-FFF2-40B4-BE49-F238E27FC236}">
-                <a16:creationId xmlns:a16="http://schemas.microsoft.com/office/drawing/2014/main" id="{3DCE0376-C787-C96C-3370-873F22CCDB23}"/>
-              </a:ext>
-            </a:extLst>
-          </p:cNvPr>
-          <p:cNvSpPr txBox="1"/>
-          <p:nvPr/>
-        </p:nvSpPr>
-        <p:spPr>
-          <a:xfrm>
-            <a:off x="6828686" y="1360979"/>
-            <a:ext cx="1343250" cy="369332"/>
-          </a:xfrm>
-          <a:prstGeom prst="rect">
-            <a:avLst/>
-          </a:prstGeom>
-          <a:noFill/>
-        </p:spPr>
-        <p:txBody>
-          <a:bodyPr wrap="square" rtlCol="0">
-            <a:spAutoFit/>
-          </a:bodyPr>
-          <a:lstStyle/>
-          <a:p>
+              <a:t>Setup time</a:t>
+            </a:r>
+          </a:p>
+        </p:txBody>
+      </p:sp>
+      <p:sp>
+        <p:nvSpPr>
+          <p:cNvPr id="3" name="Content Placeholder 2">
+            <a:extLst>
+              <a:ext uri="{FF2B5EF4-FFF2-40B4-BE49-F238E27FC236}">
+                <a16:creationId xmlns:a16="http://schemas.microsoft.com/office/drawing/2014/main" id="{3493BC33-90A8-02FC-00C7-733F84AA60B8}"/>
+              </a:ext>
+            </a:extLst>
+          </p:cNvPr>
+          <p:cNvSpPr>
+            <a:spLocks noGrp="1"/>
+          </p:cNvSpPr>
+          <p:nvPr>
+            <p:ph idx="1"/>
+          </p:nvPr>
+        </p:nvSpPr>
+        <p:spPr/>
+        <p:txBody>
+          <a:bodyPr/>
+          <a:lstStyle/>
+          <a:p>
+            <a:r>
+              <a:rPr lang="en-CA" i="1" u="sng" dirty="0"/>
+              <a:t>Step 1</a:t>
+            </a:r>
             <a:r>
               <a:rPr lang="en-CA" dirty="0"/>
-              <a:t>Secondaries</a:t>
-            </a:r>
-          </a:p>
-        </p:txBody>
-      </p:sp>
-      <p:sp>
-        <p:nvSpPr>
-          <p:cNvPr id="13" name="Right Brace 12">
-            <a:extLst>
-              <a:ext uri="{FF2B5EF4-FFF2-40B4-BE49-F238E27FC236}">
-                <a16:creationId xmlns:a16="http://schemas.microsoft.com/office/drawing/2014/main" id="{13819EA9-F1E1-C031-2F82-DAA8A490055A}"/>
-              </a:ext>
-            </a:extLst>
-          </p:cNvPr>
-          <p:cNvSpPr/>
-          <p:nvPr/>
-        </p:nvSpPr>
-        <p:spPr>
-          <a:xfrm rot="5400000">
-            <a:off x="7364628" y="502509"/>
-            <a:ext cx="345989" cy="1491048"/>
-          </a:xfrm>
-          <a:prstGeom prst="rightBrace">
-            <a:avLst>
-              <a:gd name="adj1" fmla="val 55952"/>
-              <a:gd name="adj2" fmla="val 50000"/>
-            </a:avLst>
-          </a:prstGeom>
-        </p:spPr>
-        <p:style>
-          <a:lnRef idx="1">
-            <a:schemeClr val="accent1"/>
-          </a:lnRef>
-          <a:fillRef idx="0">
-            <a:schemeClr val="accent1"/>
-          </a:fillRef>
-          <a:effectRef idx="0">
-            <a:schemeClr val="accent1"/>
-          </a:effectRef>
-          <a:fontRef idx="minor">
-            <a:schemeClr val="tx1"/>
-          </a:fontRef>
-        </p:style>
-        <p:txBody>
-          <a:bodyPr rtlCol="0" anchor="ctr"/>
-          <a:lstStyle/>
-          <a:p>
-            <a:pPr algn="ctr"/>
-            <a:endParaRPr lang="en-CA"/>
-          </a:p>
-        </p:txBody>
-      </p:sp>
-      <p:sp>
-        <p:nvSpPr>
-          <p:cNvPr id="14" name="Right Brace 13">
-            <a:extLst>
-              <a:ext uri="{FF2B5EF4-FFF2-40B4-BE49-F238E27FC236}">
-                <a16:creationId xmlns:a16="http://schemas.microsoft.com/office/drawing/2014/main" id="{516B66D7-C2CE-69DE-53A1-072FB9AB0244}"/>
-              </a:ext>
-            </a:extLst>
-          </p:cNvPr>
-          <p:cNvSpPr/>
-          <p:nvPr/>
-        </p:nvSpPr>
-        <p:spPr>
-          <a:xfrm rot="5400000">
-            <a:off x="4658496" y="902045"/>
-            <a:ext cx="345989" cy="700217"/>
-          </a:xfrm>
-          <a:prstGeom prst="rightBrace">
-            <a:avLst>
-              <a:gd name="adj1" fmla="val 28571"/>
-              <a:gd name="adj2" fmla="val 49999"/>
-            </a:avLst>
-          </a:prstGeom>
-        </p:spPr>
-        <p:style>
-          <a:lnRef idx="1">
-            <a:schemeClr val="accent1"/>
-          </a:lnRef>
-          <a:fillRef idx="0">
-            <a:schemeClr val="accent1"/>
-          </a:fillRef>
-          <a:effectRef idx="0">
-            <a:schemeClr val="accent1"/>
-          </a:effectRef>
-          <a:fontRef idx="minor">
-            <a:schemeClr val="tx1"/>
-          </a:fontRef>
-        </p:style>
-        <p:txBody>
-          <a:bodyPr rtlCol="0" anchor="ctr"/>
-          <a:lstStyle/>
-          <a:p>
-            <a:pPr algn="ctr"/>
-            <a:endParaRPr lang="en-CA"/>
+              <a:t>: </a:t>
+            </a:r>
+            <a:r>
+              <a:rPr lang="en-US" dirty="0"/>
+              <a:t>Position the cameras, making sure there's no pitch or yaw by using the setup view on </a:t>
+            </a:r>
+            <a:r>
+              <a:rPr lang="en-US" dirty="0" err="1"/>
+              <a:t>CaptureWorks</a:t>
+            </a:r>
+            <a:r>
+              <a:rPr lang="en-US" dirty="0"/>
+              <a:t> that will only shoot the laser.</a:t>
+            </a:r>
+          </a:p>
+          <a:p>
+            <a:r>
+              <a:rPr lang="en-US" i="1" u="sng" dirty="0"/>
+              <a:t>Step 2</a:t>
+            </a:r>
+            <a:r>
+              <a:rPr lang="en-US" dirty="0"/>
+              <a:t>: Place the calibration tool on the conveyor. The calibration tool doesn’t have to be perpendicular to direction of motion. One hole should be under each camera. If there is Roll around the Y-axis, it is ok if the camera sees more than one hole. </a:t>
+            </a:r>
           </a:p>
         </p:txBody>
       </p:sp>
     </p:spTree>
     <p:extLst>
       <p:ext uri="{BB962C8B-B14F-4D97-AF65-F5344CB8AC3E}">
-        <p14:creationId xmlns:p14="http://schemas.microsoft.com/office/powerpoint/2010/main" val="390649333"/>
+        <p14:creationId xmlns:p14="http://schemas.microsoft.com/office/powerpoint/2010/main" val="2105256777"/>
       </p:ext>
     </p:extLst>
   </p:cSld>
@@ -14624,20 +14077,14 @@
       </p:grpSpPr>
       <p:sp>
         <p:nvSpPr>
-          <p:cNvPr id="6" name="Rectangle 5">
-            <a:extLst>
-              <a:ext uri="{FF2B5EF4-FFF2-40B4-BE49-F238E27FC236}">
-                <a16:creationId xmlns:a16="http://schemas.microsoft.com/office/drawing/2014/main" id="{118FB0A1-BC93-E382-A0CA-E83DA99EB224}"/>
-              </a:ext>
-            </a:extLst>
-          </p:cNvPr>
+          <p:cNvPr id="27" name="Rectangle 26"/>
           <p:cNvSpPr/>
           <p:nvPr/>
         </p:nvSpPr>
         <p:spPr>
           <a:xfrm>
-            <a:off x="3274075" y="5670067"/>
-            <a:ext cx="1218894" cy="529390"/>
+            <a:off x="8786451" y="5668982"/>
+            <a:ext cx="1220705" cy="540000"/>
           </a:xfrm>
           <a:prstGeom prst="rect">
             <a:avLst/>
@@ -14676,26 +14123,20 @@
       </p:sp>
       <p:sp>
         <p:nvSpPr>
-          <p:cNvPr id="7" name="Rectangle 6">
-            <a:extLst>
-              <a:ext uri="{FF2B5EF4-FFF2-40B4-BE49-F238E27FC236}">
-                <a16:creationId xmlns:a16="http://schemas.microsoft.com/office/drawing/2014/main" id="{5F83A2EC-569D-1DBB-6047-912403ED051E}"/>
-              </a:ext>
-            </a:extLst>
-          </p:cNvPr>
+          <p:cNvPr id="4" name="Rectangle 3"/>
           <p:cNvSpPr/>
           <p:nvPr/>
         </p:nvSpPr>
         <p:spPr>
           <a:xfrm>
-            <a:off x="4487127" y="5667725"/>
-            <a:ext cx="720000" cy="540000"/>
+            <a:off x="3274075" y="5670067"/>
+            <a:ext cx="1218894" cy="540000"/>
           </a:xfrm>
           <a:prstGeom prst="rect">
             <a:avLst/>
           </a:prstGeom>
           <a:solidFill>
-            <a:schemeClr val="accent3">
+            <a:schemeClr val="dk1">
               <a:alpha val="50000"/>
             </a:schemeClr>
           </a:solidFill>
@@ -14728,26 +14169,20 @@
       </p:sp>
       <p:sp>
         <p:nvSpPr>
-          <p:cNvPr id="8" name="Rectangle 7">
-            <a:extLst>
-              <a:ext uri="{FF2B5EF4-FFF2-40B4-BE49-F238E27FC236}">
-                <a16:creationId xmlns:a16="http://schemas.microsoft.com/office/drawing/2014/main" id="{69877550-03CA-0613-BC72-5B14865B05B8}"/>
-              </a:ext>
-            </a:extLst>
-          </p:cNvPr>
+          <p:cNvPr id="5" name="Rectangle 4"/>
           <p:cNvSpPr/>
           <p:nvPr/>
         </p:nvSpPr>
         <p:spPr>
           <a:xfrm>
-            <a:off x="5209074" y="5667725"/>
-            <a:ext cx="1077383" cy="540000"/>
+            <a:off x="4487127" y="5670900"/>
+            <a:ext cx="720000" cy="540000"/>
           </a:xfrm>
           <a:prstGeom prst="rect">
             <a:avLst/>
           </a:prstGeom>
           <a:solidFill>
-            <a:schemeClr val="dk1">
+            <a:schemeClr val="accent3">
               <a:alpha val="50000"/>
             </a:schemeClr>
           </a:solidFill>
@@ -14780,26 +14215,20 @@
       </p:sp>
       <p:sp>
         <p:nvSpPr>
-          <p:cNvPr id="9" name="Rectangle 8">
-            <a:extLst>
-              <a:ext uri="{FF2B5EF4-FFF2-40B4-BE49-F238E27FC236}">
-                <a16:creationId xmlns:a16="http://schemas.microsoft.com/office/drawing/2014/main" id="{FB4DDFD5-0734-4E08-D226-72AA8788163F}"/>
-              </a:ext>
-            </a:extLst>
-          </p:cNvPr>
+          <p:cNvPr id="6" name="Rectangle 5"/>
           <p:cNvSpPr/>
           <p:nvPr/>
         </p:nvSpPr>
         <p:spPr>
           <a:xfrm>
-            <a:off x="6282563" y="5659457"/>
-            <a:ext cx="720000" cy="540000"/>
+            <a:off x="5209073" y="5670900"/>
+            <a:ext cx="1080000" cy="540000"/>
           </a:xfrm>
           <a:prstGeom prst="rect">
             <a:avLst/>
           </a:prstGeom>
           <a:solidFill>
-            <a:schemeClr val="accent3">
+            <a:schemeClr val="dk1">
               <a:alpha val="50000"/>
             </a:schemeClr>
           </a:solidFill>
@@ -14832,26 +14261,20 @@
       </p:sp>
       <p:sp>
         <p:nvSpPr>
-          <p:cNvPr id="10" name="Rectangle 9">
-            <a:extLst>
-              <a:ext uri="{FF2B5EF4-FFF2-40B4-BE49-F238E27FC236}">
-                <a16:creationId xmlns:a16="http://schemas.microsoft.com/office/drawing/2014/main" id="{2025CAF8-4EFF-C9A6-0CC6-A9CDC268EA4F}"/>
-              </a:ext>
-            </a:extLst>
-          </p:cNvPr>
+          <p:cNvPr id="7" name="Rectangle 6"/>
           <p:cNvSpPr/>
           <p:nvPr/>
         </p:nvSpPr>
         <p:spPr>
           <a:xfrm>
-            <a:off x="7002563" y="5659457"/>
-            <a:ext cx="1063890" cy="540000"/>
+            <a:off x="6282563" y="5672157"/>
+            <a:ext cx="720000" cy="540000"/>
           </a:xfrm>
           <a:prstGeom prst="rect">
             <a:avLst/>
           </a:prstGeom>
           <a:solidFill>
-            <a:schemeClr val="dk1">
+            <a:schemeClr val="accent3">
               <a:alpha val="50000"/>
             </a:schemeClr>
           </a:solidFill>
@@ -14884,28 +14307,22 @@
       </p:sp>
       <p:sp>
         <p:nvSpPr>
-          <p:cNvPr id="11" name="Trapezoid 10">
-            <a:extLst>
-              <a:ext uri="{FF2B5EF4-FFF2-40B4-BE49-F238E27FC236}">
-                <a16:creationId xmlns:a16="http://schemas.microsoft.com/office/drawing/2014/main" id="{E64A2EFC-FAB6-CBDD-EA57-26F918ABB0EA}"/>
-              </a:ext>
-            </a:extLst>
-          </p:cNvPr>
+          <p:cNvPr id="8" name="Rectangle 7"/>
           <p:cNvSpPr/>
           <p:nvPr/>
         </p:nvSpPr>
         <p:spPr>
           <a:xfrm>
-            <a:off x="3499074" y="3678815"/>
-            <a:ext cx="2700000" cy="2520000"/>
-          </a:xfrm>
-          <a:prstGeom prst="trapezoid">
+            <a:off x="7002563" y="5672157"/>
+            <a:ext cx="1080000" cy="540000"/>
+          </a:xfrm>
+          <a:prstGeom prst="rect">
             <a:avLst/>
           </a:prstGeom>
           <a:solidFill>
-            <a:srgbClr val="FF0000">
+            <a:schemeClr val="dk1">
               <a:alpha val="50000"/>
-            </a:srgbClr>
+            </a:schemeClr>
           </a:solidFill>
           <a:ln>
             <a:noFill/>
@@ -14930,34 +14347,28 @@
           <a:lstStyle/>
           <a:p>
             <a:pPr algn="ctr"/>
-            <a:endParaRPr lang="en-CA" dirty="0"/>
-          </a:p>
-        </p:txBody>
-      </p:sp>
-      <p:sp>
-        <p:nvSpPr>
-          <p:cNvPr id="14" name="Rectangle 13">
-            <a:extLst>
-              <a:ext uri="{FF2B5EF4-FFF2-40B4-BE49-F238E27FC236}">
-                <a16:creationId xmlns:a16="http://schemas.microsoft.com/office/drawing/2014/main" id="{CC7DF967-2B99-073D-AD84-4588CE6E200A}"/>
-              </a:ext>
-            </a:extLst>
-          </p:cNvPr>
+            <a:endParaRPr lang="en-CA"/>
+          </a:p>
+        </p:txBody>
+      </p:sp>
+      <p:sp>
+        <p:nvSpPr>
+          <p:cNvPr id="9" name="Trapezoid 8"/>
           <p:cNvSpPr/>
           <p:nvPr/>
         </p:nvSpPr>
         <p:spPr>
           <a:xfrm>
-            <a:off x="8066452" y="5659457"/>
-            <a:ext cx="720000" cy="540000"/>
-          </a:xfrm>
-          <a:prstGeom prst="rect">
+            <a:off x="3277969" y="2141437"/>
+            <a:ext cx="3150000" cy="4050000"/>
+          </a:xfrm>
+          <a:prstGeom prst="trapezoid">
             <a:avLst/>
           </a:prstGeom>
           <a:solidFill>
-            <a:schemeClr val="accent3">
+            <a:srgbClr val="FF0000">
               <a:alpha val="50000"/>
-            </a:schemeClr>
+            </a:srgbClr>
           </a:solidFill>
           <a:ln>
             <a:noFill/>
@@ -14982,32 +14393,26 @@
           <a:lstStyle/>
           <a:p>
             <a:pPr algn="ctr"/>
-            <a:endParaRPr lang="en-CA"/>
-          </a:p>
-        </p:txBody>
-      </p:sp>
-      <p:sp>
-        <p:nvSpPr>
-          <p:cNvPr id="15" name="Rectangle 14">
-            <a:extLst>
-              <a:ext uri="{FF2B5EF4-FFF2-40B4-BE49-F238E27FC236}">
-                <a16:creationId xmlns:a16="http://schemas.microsoft.com/office/drawing/2014/main" id="{AD9B520C-6926-7224-ACCA-7C84974303AE}"/>
-              </a:ext>
-            </a:extLst>
-          </p:cNvPr>
+            <a:endParaRPr lang="en-CA" dirty="0"/>
+          </a:p>
+        </p:txBody>
+      </p:sp>
+      <p:sp>
+        <p:nvSpPr>
+          <p:cNvPr id="12" name="Rectangle 11"/>
           <p:cNvSpPr/>
           <p:nvPr/>
         </p:nvSpPr>
         <p:spPr>
           <a:xfrm>
-            <a:off x="8786451" y="5659457"/>
-            <a:ext cx="1220705" cy="529390"/>
+            <a:off x="8066452" y="5668982"/>
+            <a:ext cx="720000" cy="540000"/>
           </a:xfrm>
           <a:prstGeom prst="rect">
             <a:avLst/>
           </a:prstGeom>
           <a:solidFill>
-            <a:schemeClr val="dk1">
+            <a:schemeClr val="accent3">
               <a:alpha val="50000"/>
             </a:schemeClr>
           </a:solidFill>
@@ -15040,13 +14445,7 @@
       </p:sp>
       <p:pic>
         <p:nvPicPr>
-          <p:cNvPr id="30" name="Picture 29">
-            <a:extLst>
-              <a:ext uri="{FF2B5EF4-FFF2-40B4-BE49-F238E27FC236}">
-                <a16:creationId xmlns:a16="http://schemas.microsoft.com/office/drawing/2014/main" id="{4F056473-6C31-B1EB-2E1E-2870EC9163AC}"/>
-              </a:ext>
-            </a:extLst>
-          </p:cNvPr>
+          <p:cNvPr id="47" name="Picture 46"/>
           <p:cNvPicPr>
             <a:picLocks noChangeAspect="1"/>
           </p:cNvPicPr>
@@ -15070,13 +14469,7 @@
       </p:pic>
       <p:pic>
         <p:nvPicPr>
-          <p:cNvPr id="31" name="Picture 30">
-            <a:extLst>
-              <a:ext uri="{FF2B5EF4-FFF2-40B4-BE49-F238E27FC236}">
-                <a16:creationId xmlns:a16="http://schemas.microsoft.com/office/drawing/2014/main" id="{D9899C65-F5BF-4A74-75AF-D2A578184DD8}"/>
-              </a:ext>
-            </a:extLst>
-          </p:cNvPr>
+          <p:cNvPr id="48" name="Picture 47"/>
           <p:cNvPicPr>
             <a:picLocks noChangeAspect="1"/>
           </p:cNvPicPr>
@@ -15100,13 +14493,7 @@
       </p:pic>
       <p:pic>
         <p:nvPicPr>
-          <p:cNvPr id="32" name="Picture 31">
-            <a:extLst>
-              <a:ext uri="{FF2B5EF4-FFF2-40B4-BE49-F238E27FC236}">
-                <a16:creationId xmlns:a16="http://schemas.microsoft.com/office/drawing/2014/main" id="{09334FE7-F9C4-90A6-0A3B-3A42E906F4DB}"/>
-              </a:ext>
-            </a:extLst>
-          </p:cNvPr>
+          <p:cNvPr id="49" name="Picture 48"/>
           <p:cNvPicPr>
             <a:picLocks noChangeAspect="1"/>
           </p:cNvPicPr>
@@ -15130,20 +14517,48 @@
       </p:pic>
       <p:sp>
         <p:nvSpPr>
-          <p:cNvPr id="36" name="Trapezoid 35">
-            <a:extLst>
-              <a:ext uri="{FF2B5EF4-FFF2-40B4-BE49-F238E27FC236}">
-                <a16:creationId xmlns:a16="http://schemas.microsoft.com/office/drawing/2014/main" id="{D2587D29-04AF-B77D-A75D-9841A212EF57}"/>
-              </a:ext>
-            </a:extLst>
-          </p:cNvPr>
+          <p:cNvPr id="50" name="TextBox 49"/>
+          <p:cNvSpPr txBox="1"/>
+          <p:nvPr/>
+        </p:nvSpPr>
+        <p:spPr>
+          <a:xfrm>
+            <a:off x="192505" y="272716"/>
+            <a:ext cx="3553327" cy="2308324"/>
+          </a:xfrm>
+          <a:prstGeom prst="rect">
+            <a:avLst/>
+          </a:prstGeom>
+          <a:noFill/>
+        </p:spPr>
+        <p:txBody>
+          <a:bodyPr wrap="square" rtlCol="0">
+            <a:spAutoFit/>
+          </a:bodyPr>
+          <a:lstStyle/>
+          <a:p>
+            <a:r>
+              <a:rPr lang="en-US" sz="3600" dirty="0"/>
+              <a:t>Section of the calibration tool using Medium </a:t>
+            </a:r>
+            <a:r>
+              <a:rPr lang="en-US" sz="3600" dirty="0" err="1"/>
+              <a:t>Altiz</a:t>
+            </a:r>
+            <a:endParaRPr lang="en-US" sz="3600" dirty="0"/>
+          </a:p>
+        </p:txBody>
+      </p:sp>
+      <p:sp>
+        <p:nvSpPr>
+          <p:cNvPr id="10" name="Trapezoid 9"/>
           <p:cNvSpPr/>
           <p:nvPr/>
         </p:nvSpPr>
         <p:spPr>
           <a:xfrm>
-            <a:off x="5292563" y="3678815"/>
-            <a:ext cx="2700000" cy="2520000"/>
+            <a:off x="5067563" y="2141437"/>
+            <a:ext cx="3150000" cy="4050000"/>
           </a:xfrm>
           <a:prstGeom prst="trapezoid">
             <a:avLst/>
@@ -15176,26 +14591,20 @@
           <a:lstStyle/>
           <a:p>
             <a:pPr algn="ctr"/>
-            <a:endParaRPr lang="en-CA" dirty="0"/>
-          </a:p>
-        </p:txBody>
-      </p:sp>
-      <p:sp>
-        <p:nvSpPr>
-          <p:cNvPr id="37" name="Trapezoid 36">
-            <a:extLst>
-              <a:ext uri="{FF2B5EF4-FFF2-40B4-BE49-F238E27FC236}">
-                <a16:creationId xmlns:a16="http://schemas.microsoft.com/office/drawing/2014/main" id="{E7CCB946-C755-2FB1-627F-B17FC006848E}"/>
-              </a:ext>
-            </a:extLst>
-          </p:cNvPr>
+            <a:endParaRPr lang="en-CA"/>
+          </a:p>
+        </p:txBody>
+      </p:sp>
+      <p:sp>
+        <p:nvSpPr>
+          <p:cNvPr id="11" name="Trapezoid 10"/>
           <p:cNvSpPr/>
           <p:nvPr/>
         </p:nvSpPr>
         <p:spPr>
           <a:xfrm>
-            <a:off x="7072783" y="3669905"/>
-            <a:ext cx="2700000" cy="2520000"/>
+            <a:off x="6857157" y="2149705"/>
+            <a:ext cx="3150000" cy="4050000"/>
           </a:xfrm>
           <a:prstGeom prst="trapezoid">
             <a:avLst/>
@@ -15237,7 +14646,7 @@
           <p:cNvPr id="2" name="TextBox 1">
             <a:extLst>
               <a:ext uri="{FF2B5EF4-FFF2-40B4-BE49-F238E27FC236}">
-                <a16:creationId xmlns:a16="http://schemas.microsoft.com/office/drawing/2014/main" id="{576A6E60-5AF0-3666-DB33-92702A672BE3}"/>
+                <a16:creationId xmlns:a16="http://schemas.microsoft.com/office/drawing/2014/main" id="{035D9CB7-93D7-5957-C6AE-DC5C246EAB18}"/>
               </a:ext>
             </a:extLst>
           </p:cNvPr>
@@ -15246,8 +14655,8 @@
         </p:nvSpPr>
         <p:spPr>
           <a:xfrm>
-            <a:off x="192505" y="272716"/>
-            <a:ext cx="3553327" cy="1754326"/>
+            <a:off x="4254361" y="1422763"/>
+            <a:ext cx="1141423" cy="369332"/>
           </a:xfrm>
           <a:prstGeom prst="rect">
             <a:avLst/>
@@ -15261,18 +14670,14 @@
           <a:lstStyle/>
           <a:p>
             <a:r>
-              <a:rPr lang="en-US" sz="3600" dirty="0"/>
-              <a:t>Section of the calibration tool using Small </a:t>
-            </a:r>
-            <a:r>
-              <a:rPr lang="en-US" sz="3600" dirty="0" err="1"/>
+              <a:rPr lang="en-CA" dirty="0"/>
+              <a:t>Main </a:t>
+            </a:r>
+            <a:r>
+              <a:rPr lang="en-CA" dirty="0" err="1"/>
               <a:t>Altiz</a:t>
             </a:r>
-            <a:r>
-              <a:rPr lang="en-US" sz="3600" dirty="0"/>
-              <a:t> </a:t>
-            </a:r>
-            <a:endParaRPr lang="en-CA" sz="3600" dirty="0"/>
+            <a:endParaRPr lang="en-CA" dirty="0"/>
           </a:p>
         </p:txBody>
       </p:sp>
@@ -15281,7 +14686,7 @@
           <p:cNvPr id="3" name="TextBox 2">
             <a:extLst>
               <a:ext uri="{FF2B5EF4-FFF2-40B4-BE49-F238E27FC236}">
-                <a16:creationId xmlns:a16="http://schemas.microsoft.com/office/drawing/2014/main" id="{A6DDDD59-2A91-2A64-5A9B-299C855EDB7F}"/>
+                <a16:creationId xmlns:a16="http://schemas.microsoft.com/office/drawing/2014/main" id="{3DCE0376-C787-C96C-3370-873F22CCDB23}"/>
               </a:ext>
             </a:extLst>
           </p:cNvPr>
@@ -15290,8 +14695,8 @@
         </p:nvSpPr>
         <p:spPr>
           <a:xfrm>
-            <a:off x="4254361" y="1422763"/>
-            <a:ext cx="1141423" cy="369332"/>
+            <a:off x="6828686" y="1360979"/>
+            <a:ext cx="1343250" cy="369332"/>
           </a:xfrm>
           <a:prstGeom prst="rect">
             <a:avLst/>
@@ -15306,46 +14711,6 @@
           <a:p>
             <a:r>
               <a:rPr lang="en-CA" dirty="0"/>
-              <a:t>Main </a:t>
-            </a:r>
-            <a:r>
-              <a:rPr lang="en-CA" dirty="0" err="1"/>
-              <a:t>Altiz</a:t>
-            </a:r>
-            <a:endParaRPr lang="en-CA" dirty="0"/>
-          </a:p>
-        </p:txBody>
-      </p:sp>
-      <p:sp>
-        <p:nvSpPr>
-          <p:cNvPr id="4" name="TextBox 3">
-            <a:extLst>
-              <a:ext uri="{FF2B5EF4-FFF2-40B4-BE49-F238E27FC236}">
-                <a16:creationId xmlns:a16="http://schemas.microsoft.com/office/drawing/2014/main" id="{12E8FE1B-41C4-D596-F8F9-9C99EF89DD2D}"/>
-              </a:ext>
-            </a:extLst>
-          </p:cNvPr>
-          <p:cNvSpPr txBox="1"/>
-          <p:nvPr/>
-        </p:nvSpPr>
-        <p:spPr>
-          <a:xfrm>
-            <a:off x="6828686" y="1360979"/>
-            <a:ext cx="1343250" cy="369332"/>
-          </a:xfrm>
-          <a:prstGeom prst="rect">
-            <a:avLst/>
-          </a:prstGeom>
-          <a:noFill/>
-        </p:spPr>
-        <p:txBody>
-          <a:bodyPr wrap="square" rtlCol="0">
-            <a:spAutoFit/>
-          </a:bodyPr>
-          <a:lstStyle/>
-          <a:p>
-            <a:r>
-              <a:rPr lang="en-CA" dirty="0"/>
               <a:t>Secondaries</a:t>
             </a:r>
           </a:p>
@@ -15356,7 +14721,7 @@
           <p:cNvPr id="13" name="Right Brace 12">
             <a:extLst>
               <a:ext uri="{FF2B5EF4-FFF2-40B4-BE49-F238E27FC236}">
-                <a16:creationId xmlns:a16="http://schemas.microsoft.com/office/drawing/2014/main" id="{D65175A3-04FE-9ED7-9782-1F0EA53B1AA2}"/>
+                <a16:creationId xmlns:a16="http://schemas.microsoft.com/office/drawing/2014/main" id="{13819EA9-F1E1-C031-2F82-DAA8A490055A}"/>
               </a:ext>
             </a:extLst>
           </p:cNvPr>
@@ -15400,10 +14765,10 @@
       </p:sp>
       <p:sp>
         <p:nvSpPr>
-          <p:cNvPr id="5" name="Right Brace 4">
-            <a:extLst>
-              <a:ext uri="{FF2B5EF4-FFF2-40B4-BE49-F238E27FC236}">
-                <a16:creationId xmlns:a16="http://schemas.microsoft.com/office/drawing/2014/main" id="{22B20D4F-47B4-870F-20F8-64B690F002CB}"/>
+          <p:cNvPr id="14" name="Right Brace 13">
+            <a:extLst>
+              <a:ext uri="{FF2B5EF4-FFF2-40B4-BE49-F238E27FC236}">
+                <a16:creationId xmlns:a16="http://schemas.microsoft.com/office/drawing/2014/main" id="{516B66D7-C2CE-69DE-53A1-072FB9AB0244}"/>
               </a:ext>
             </a:extLst>
           </p:cNvPr>
@@ -15448,7 +14813,7 @@
     </p:spTree>
     <p:extLst>
       <p:ext uri="{BB962C8B-B14F-4D97-AF65-F5344CB8AC3E}">
-        <p14:creationId xmlns:p14="http://schemas.microsoft.com/office/powerpoint/2010/main" val="2338785383"/>
+        <p14:creationId xmlns:p14="http://schemas.microsoft.com/office/powerpoint/2010/main" val="390649333"/>
       </p:ext>
     </p:extLst>
   </p:cSld>
@@ -15477,6 +14842,859 @@
       </p:grpSpPr>
       <p:sp>
         <p:nvSpPr>
+          <p:cNvPr id="6" name="Rectangle 5">
+            <a:extLst>
+              <a:ext uri="{FF2B5EF4-FFF2-40B4-BE49-F238E27FC236}">
+                <a16:creationId xmlns:a16="http://schemas.microsoft.com/office/drawing/2014/main" id="{118FB0A1-BC93-E382-A0CA-E83DA99EB224}"/>
+              </a:ext>
+            </a:extLst>
+          </p:cNvPr>
+          <p:cNvSpPr/>
+          <p:nvPr/>
+        </p:nvSpPr>
+        <p:spPr>
+          <a:xfrm>
+            <a:off x="3274075" y="5670067"/>
+            <a:ext cx="1218894" cy="529390"/>
+          </a:xfrm>
+          <a:prstGeom prst="rect">
+            <a:avLst/>
+          </a:prstGeom>
+          <a:solidFill>
+            <a:schemeClr val="dk1">
+              <a:alpha val="50000"/>
+            </a:schemeClr>
+          </a:solidFill>
+          <a:ln>
+            <a:noFill/>
+          </a:ln>
+        </p:spPr>
+        <p:style>
+          <a:lnRef idx="0">
+            <a:scrgbClr r="0" g="0" b="0"/>
+          </a:lnRef>
+          <a:fillRef idx="0">
+            <a:scrgbClr r="0" g="0" b="0"/>
+          </a:fillRef>
+          <a:effectRef idx="0">
+            <a:scrgbClr r="0" g="0" b="0"/>
+          </a:effectRef>
+          <a:fontRef idx="minor">
+            <a:schemeClr val="lt1"/>
+          </a:fontRef>
+        </p:style>
+        <p:txBody>
+          <a:bodyPr rtlCol="0" anchor="ctr"/>
+          <a:lstStyle/>
+          <a:p>
+            <a:pPr algn="ctr"/>
+            <a:endParaRPr lang="en-CA"/>
+          </a:p>
+        </p:txBody>
+      </p:sp>
+      <p:sp>
+        <p:nvSpPr>
+          <p:cNvPr id="7" name="Rectangle 6">
+            <a:extLst>
+              <a:ext uri="{FF2B5EF4-FFF2-40B4-BE49-F238E27FC236}">
+                <a16:creationId xmlns:a16="http://schemas.microsoft.com/office/drawing/2014/main" id="{5F83A2EC-569D-1DBB-6047-912403ED051E}"/>
+              </a:ext>
+            </a:extLst>
+          </p:cNvPr>
+          <p:cNvSpPr/>
+          <p:nvPr/>
+        </p:nvSpPr>
+        <p:spPr>
+          <a:xfrm>
+            <a:off x="4487127" y="5667725"/>
+            <a:ext cx="720000" cy="540000"/>
+          </a:xfrm>
+          <a:prstGeom prst="rect">
+            <a:avLst/>
+          </a:prstGeom>
+          <a:solidFill>
+            <a:schemeClr val="accent3">
+              <a:alpha val="50000"/>
+            </a:schemeClr>
+          </a:solidFill>
+          <a:ln>
+            <a:noFill/>
+          </a:ln>
+        </p:spPr>
+        <p:style>
+          <a:lnRef idx="0">
+            <a:scrgbClr r="0" g="0" b="0"/>
+          </a:lnRef>
+          <a:fillRef idx="0">
+            <a:scrgbClr r="0" g="0" b="0"/>
+          </a:fillRef>
+          <a:effectRef idx="0">
+            <a:scrgbClr r="0" g="0" b="0"/>
+          </a:effectRef>
+          <a:fontRef idx="minor">
+            <a:schemeClr val="lt1"/>
+          </a:fontRef>
+        </p:style>
+        <p:txBody>
+          <a:bodyPr rtlCol="0" anchor="ctr"/>
+          <a:lstStyle/>
+          <a:p>
+            <a:pPr algn="ctr"/>
+            <a:endParaRPr lang="en-CA"/>
+          </a:p>
+        </p:txBody>
+      </p:sp>
+      <p:sp>
+        <p:nvSpPr>
+          <p:cNvPr id="8" name="Rectangle 7">
+            <a:extLst>
+              <a:ext uri="{FF2B5EF4-FFF2-40B4-BE49-F238E27FC236}">
+                <a16:creationId xmlns:a16="http://schemas.microsoft.com/office/drawing/2014/main" id="{69877550-03CA-0613-BC72-5B14865B05B8}"/>
+              </a:ext>
+            </a:extLst>
+          </p:cNvPr>
+          <p:cNvSpPr/>
+          <p:nvPr/>
+        </p:nvSpPr>
+        <p:spPr>
+          <a:xfrm>
+            <a:off x="5209074" y="5667725"/>
+            <a:ext cx="1077383" cy="540000"/>
+          </a:xfrm>
+          <a:prstGeom prst="rect">
+            <a:avLst/>
+          </a:prstGeom>
+          <a:solidFill>
+            <a:schemeClr val="dk1">
+              <a:alpha val="50000"/>
+            </a:schemeClr>
+          </a:solidFill>
+          <a:ln>
+            <a:noFill/>
+          </a:ln>
+        </p:spPr>
+        <p:style>
+          <a:lnRef idx="0">
+            <a:scrgbClr r="0" g="0" b="0"/>
+          </a:lnRef>
+          <a:fillRef idx="0">
+            <a:scrgbClr r="0" g="0" b="0"/>
+          </a:fillRef>
+          <a:effectRef idx="0">
+            <a:scrgbClr r="0" g="0" b="0"/>
+          </a:effectRef>
+          <a:fontRef idx="minor">
+            <a:schemeClr val="lt1"/>
+          </a:fontRef>
+        </p:style>
+        <p:txBody>
+          <a:bodyPr rtlCol="0" anchor="ctr"/>
+          <a:lstStyle/>
+          <a:p>
+            <a:pPr algn="ctr"/>
+            <a:endParaRPr lang="en-CA"/>
+          </a:p>
+        </p:txBody>
+      </p:sp>
+      <p:sp>
+        <p:nvSpPr>
+          <p:cNvPr id="9" name="Rectangle 8">
+            <a:extLst>
+              <a:ext uri="{FF2B5EF4-FFF2-40B4-BE49-F238E27FC236}">
+                <a16:creationId xmlns:a16="http://schemas.microsoft.com/office/drawing/2014/main" id="{FB4DDFD5-0734-4E08-D226-72AA8788163F}"/>
+              </a:ext>
+            </a:extLst>
+          </p:cNvPr>
+          <p:cNvSpPr/>
+          <p:nvPr/>
+        </p:nvSpPr>
+        <p:spPr>
+          <a:xfrm>
+            <a:off x="6282563" y="5659457"/>
+            <a:ext cx="720000" cy="540000"/>
+          </a:xfrm>
+          <a:prstGeom prst="rect">
+            <a:avLst/>
+          </a:prstGeom>
+          <a:solidFill>
+            <a:schemeClr val="accent3">
+              <a:alpha val="50000"/>
+            </a:schemeClr>
+          </a:solidFill>
+          <a:ln>
+            <a:noFill/>
+          </a:ln>
+        </p:spPr>
+        <p:style>
+          <a:lnRef idx="0">
+            <a:scrgbClr r="0" g="0" b="0"/>
+          </a:lnRef>
+          <a:fillRef idx="0">
+            <a:scrgbClr r="0" g="0" b="0"/>
+          </a:fillRef>
+          <a:effectRef idx="0">
+            <a:scrgbClr r="0" g="0" b="0"/>
+          </a:effectRef>
+          <a:fontRef idx="minor">
+            <a:schemeClr val="lt1"/>
+          </a:fontRef>
+        </p:style>
+        <p:txBody>
+          <a:bodyPr rtlCol="0" anchor="ctr"/>
+          <a:lstStyle/>
+          <a:p>
+            <a:pPr algn="ctr"/>
+            <a:endParaRPr lang="en-CA"/>
+          </a:p>
+        </p:txBody>
+      </p:sp>
+      <p:sp>
+        <p:nvSpPr>
+          <p:cNvPr id="10" name="Rectangle 9">
+            <a:extLst>
+              <a:ext uri="{FF2B5EF4-FFF2-40B4-BE49-F238E27FC236}">
+                <a16:creationId xmlns:a16="http://schemas.microsoft.com/office/drawing/2014/main" id="{2025CAF8-4EFF-C9A6-0CC6-A9CDC268EA4F}"/>
+              </a:ext>
+            </a:extLst>
+          </p:cNvPr>
+          <p:cNvSpPr/>
+          <p:nvPr/>
+        </p:nvSpPr>
+        <p:spPr>
+          <a:xfrm>
+            <a:off x="7002563" y="5659457"/>
+            <a:ext cx="1063890" cy="540000"/>
+          </a:xfrm>
+          <a:prstGeom prst="rect">
+            <a:avLst/>
+          </a:prstGeom>
+          <a:solidFill>
+            <a:schemeClr val="dk1">
+              <a:alpha val="50000"/>
+            </a:schemeClr>
+          </a:solidFill>
+          <a:ln>
+            <a:noFill/>
+          </a:ln>
+        </p:spPr>
+        <p:style>
+          <a:lnRef idx="0">
+            <a:scrgbClr r="0" g="0" b="0"/>
+          </a:lnRef>
+          <a:fillRef idx="0">
+            <a:scrgbClr r="0" g="0" b="0"/>
+          </a:fillRef>
+          <a:effectRef idx="0">
+            <a:scrgbClr r="0" g="0" b="0"/>
+          </a:effectRef>
+          <a:fontRef idx="minor">
+            <a:schemeClr val="lt1"/>
+          </a:fontRef>
+        </p:style>
+        <p:txBody>
+          <a:bodyPr rtlCol="0" anchor="ctr"/>
+          <a:lstStyle/>
+          <a:p>
+            <a:pPr algn="ctr"/>
+            <a:endParaRPr lang="en-CA"/>
+          </a:p>
+        </p:txBody>
+      </p:sp>
+      <p:sp>
+        <p:nvSpPr>
+          <p:cNvPr id="11" name="Trapezoid 10">
+            <a:extLst>
+              <a:ext uri="{FF2B5EF4-FFF2-40B4-BE49-F238E27FC236}">
+                <a16:creationId xmlns:a16="http://schemas.microsoft.com/office/drawing/2014/main" id="{E64A2EFC-FAB6-CBDD-EA57-26F918ABB0EA}"/>
+              </a:ext>
+            </a:extLst>
+          </p:cNvPr>
+          <p:cNvSpPr/>
+          <p:nvPr/>
+        </p:nvSpPr>
+        <p:spPr>
+          <a:xfrm>
+            <a:off x="3499074" y="3678815"/>
+            <a:ext cx="2700000" cy="2520000"/>
+          </a:xfrm>
+          <a:prstGeom prst="trapezoid">
+            <a:avLst/>
+          </a:prstGeom>
+          <a:solidFill>
+            <a:srgbClr val="FF0000">
+              <a:alpha val="50000"/>
+            </a:srgbClr>
+          </a:solidFill>
+          <a:ln>
+            <a:noFill/>
+          </a:ln>
+        </p:spPr>
+        <p:style>
+          <a:lnRef idx="0">
+            <a:scrgbClr r="0" g="0" b="0"/>
+          </a:lnRef>
+          <a:fillRef idx="0">
+            <a:scrgbClr r="0" g="0" b="0"/>
+          </a:fillRef>
+          <a:effectRef idx="0">
+            <a:scrgbClr r="0" g="0" b="0"/>
+          </a:effectRef>
+          <a:fontRef idx="minor">
+            <a:schemeClr val="lt1"/>
+          </a:fontRef>
+        </p:style>
+        <p:txBody>
+          <a:bodyPr rtlCol="0" anchor="ctr"/>
+          <a:lstStyle/>
+          <a:p>
+            <a:pPr algn="ctr"/>
+            <a:endParaRPr lang="en-CA" dirty="0"/>
+          </a:p>
+        </p:txBody>
+      </p:sp>
+      <p:sp>
+        <p:nvSpPr>
+          <p:cNvPr id="14" name="Rectangle 13">
+            <a:extLst>
+              <a:ext uri="{FF2B5EF4-FFF2-40B4-BE49-F238E27FC236}">
+                <a16:creationId xmlns:a16="http://schemas.microsoft.com/office/drawing/2014/main" id="{CC7DF967-2B99-073D-AD84-4588CE6E200A}"/>
+              </a:ext>
+            </a:extLst>
+          </p:cNvPr>
+          <p:cNvSpPr/>
+          <p:nvPr/>
+        </p:nvSpPr>
+        <p:spPr>
+          <a:xfrm>
+            <a:off x="8066452" y="5659457"/>
+            <a:ext cx="720000" cy="540000"/>
+          </a:xfrm>
+          <a:prstGeom prst="rect">
+            <a:avLst/>
+          </a:prstGeom>
+          <a:solidFill>
+            <a:schemeClr val="accent3">
+              <a:alpha val="50000"/>
+            </a:schemeClr>
+          </a:solidFill>
+          <a:ln>
+            <a:noFill/>
+          </a:ln>
+        </p:spPr>
+        <p:style>
+          <a:lnRef idx="0">
+            <a:scrgbClr r="0" g="0" b="0"/>
+          </a:lnRef>
+          <a:fillRef idx="0">
+            <a:scrgbClr r="0" g="0" b="0"/>
+          </a:fillRef>
+          <a:effectRef idx="0">
+            <a:scrgbClr r="0" g="0" b="0"/>
+          </a:effectRef>
+          <a:fontRef idx="minor">
+            <a:schemeClr val="lt1"/>
+          </a:fontRef>
+        </p:style>
+        <p:txBody>
+          <a:bodyPr rtlCol="0" anchor="ctr"/>
+          <a:lstStyle/>
+          <a:p>
+            <a:pPr algn="ctr"/>
+            <a:endParaRPr lang="en-CA"/>
+          </a:p>
+        </p:txBody>
+      </p:sp>
+      <p:sp>
+        <p:nvSpPr>
+          <p:cNvPr id="15" name="Rectangle 14">
+            <a:extLst>
+              <a:ext uri="{FF2B5EF4-FFF2-40B4-BE49-F238E27FC236}">
+                <a16:creationId xmlns:a16="http://schemas.microsoft.com/office/drawing/2014/main" id="{AD9B520C-6926-7224-ACCA-7C84974303AE}"/>
+              </a:ext>
+            </a:extLst>
+          </p:cNvPr>
+          <p:cNvSpPr/>
+          <p:nvPr/>
+        </p:nvSpPr>
+        <p:spPr>
+          <a:xfrm>
+            <a:off x="8786451" y="5659457"/>
+            <a:ext cx="1220705" cy="529390"/>
+          </a:xfrm>
+          <a:prstGeom prst="rect">
+            <a:avLst/>
+          </a:prstGeom>
+          <a:solidFill>
+            <a:schemeClr val="dk1">
+              <a:alpha val="50000"/>
+            </a:schemeClr>
+          </a:solidFill>
+          <a:ln>
+            <a:noFill/>
+          </a:ln>
+        </p:spPr>
+        <p:style>
+          <a:lnRef idx="0">
+            <a:scrgbClr r="0" g="0" b="0"/>
+          </a:lnRef>
+          <a:fillRef idx="0">
+            <a:scrgbClr r="0" g="0" b="0"/>
+          </a:fillRef>
+          <a:effectRef idx="0">
+            <a:scrgbClr r="0" g="0" b="0"/>
+          </a:effectRef>
+          <a:fontRef idx="minor">
+            <a:schemeClr val="lt1"/>
+          </a:fontRef>
+        </p:style>
+        <p:txBody>
+          <a:bodyPr rtlCol="0" anchor="ctr"/>
+          <a:lstStyle/>
+          <a:p>
+            <a:pPr algn="ctr"/>
+            <a:endParaRPr lang="en-CA"/>
+          </a:p>
+        </p:txBody>
+      </p:sp>
+      <p:pic>
+        <p:nvPicPr>
+          <p:cNvPr id="30" name="Picture 29">
+            <a:extLst>
+              <a:ext uri="{FF2B5EF4-FFF2-40B4-BE49-F238E27FC236}">
+                <a16:creationId xmlns:a16="http://schemas.microsoft.com/office/drawing/2014/main" id="{4F056473-6C31-B1EB-2E1E-2870EC9163AC}"/>
+              </a:ext>
+            </a:extLst>
+          </p:cNvPr>
+          <p:cNvPicPr>
+            <a:picLocks noChangeAspect="1"/>
+          </p:cNvPicPr>
+          <p:nvPr/>
+        </p:nvPicPr>
+        <p:blipFill>
+          <a:blip r:embed="rId2"/>
+          <a:stretch>
+            <a:fillRect/>
+          </a:stretch>
+        </p:blipFill>
+        <p:spPr>
+          <a:xfrm>
+            <a:off x="4631352" y="0"/>
+            <a:ext cx="404244" cy="1038100"/>
+          </a:xfrm>
+          <a:prstGeom prst="rect">
+            <a:avLst/>
+          </a:prstGeom>
+        </p:spPr>
+      </p:pic>
+      <p:pic>
+        <p:nvPicPr>
+          <p:cNvPr id="31" name="Picture 30">
+            <a:extLst>
+              <a:ext uri="{FF2B5EF4-FFF2-40B4-BE49-F238E27FC236}">
+                <a16:creationId xmlns:a16="http://schemas.microsoft.com/office/drawing/2014/main" id="{D9899C65-F5BF-4A74-75AF-D2A578184DD8}"/>
+              </a:ext>
+            </a:extLst>
+          </p:cNvPr>
+          <p:cNvPicPr>
+            <a:picLocks noChangeAspect="1"/>
+          </p:cNvPicPr>
+          <p:nvPr/>
+        </p:nvPicPr>
+        <p:blipFill>
+          <a:blip r:embed="rId2"/>
+          <a:stretch>
+            <a:fillRect/>
+          </a:stretch>
+        </p:blipFill>
+        <p:spPr>
+          <a:xfrm>
+            <a:off x="6440441" y="0"/>
+            <a:ext cx="404244" cy="1038100"/>
+          </a:xfrm>
+          <a:prstGeom prst="rect">
+            <a:avLst/>
+          </a:prstGeom>
+        </p:spPr>
+      </p:pic>
+      <p:pic>
+        <p:nvPicPr>
+          <p:cNvPr id="32" name="Picture 31">
+            <a:extLst>
+              <a:ext uri="{FF2B5EF4-FFF2-40B4-BE49-F238E27FC236}">
+                <a16:creationId xmlns:a16="http://schemas.microsoft.com/office/drawing/2014/main" id="{09334FE7-F9C4-90A6-0A3B-3A42E906F4DB}"/>
+              </a:ext>
+            </a:extLst>
+          </p:cNvPr>
+          <p:cNvPicPr>
+            <a:picLocks noChangeAspect="1"/>
+          </p:cNvPicPr>
+          <p:nvPr/>
+        </p:nvPicPr>
+        <p:blipFill>
+          <a:blip r:embed="rId2"/>
+          <a:stretch>
+            <a:fillRect/>
+          </a:stretch>
+        </p:blipFill>
+        <p:spPr>
+          <a:xfrm>
+            <a:off x="8224330" y="0"/>
+            <a:ext cx="404244" cy="1038100"/>
+          </a:xfrm>
+          <a:prstGeom prst="rect">
+            <a:avLst/>
+          </a:prstGeom>
+        </p:spPr>
+      </p:pic>
+      <p:sp>
+        <p:nvSpPr>
+          <p:cNvPr id="36" name="Trapezoid 35">
+            <a:extLst>
+              <a:ext uri="{FF2B5EF4-FFF2-40B4-BE49-F238E27FC236}">
+                <a16:creationId xmlns:a16="http://schemas.microsoft.com/office/drawing/2014/main" id="{D2587D29-04AF-B77D-A75D-9841A212EF57}"/>
+              </a:ext>
+            </a:extLst>
+          </p:cNvPr>
+          <p:cNvSpPr/>
+          <p:nvPr/>
+        </p:nvSpPr>
+        <p:spPr>
+          <a:xfrm>
+            <a:off x="5292563" y="3678815"/>
+            <a:ext cx="2700000" cy="2520000"/>
+          </a:xfrm>
+          <a:prstGeom prst="trapezoid">
+            <a:avLst/>
+          </a:prstGeom>
+          <a:solidFill>
+            <a:srgbClr val="FF0000">
+              <a:alpha val="50000"/>
+            </a:srgbClr>
+          </a:solidFill>
+          <a:ln>
+            <a:noFill/>
+          </a:ln>
+        </p:spPr>
+        <p:style>
+          <a:lnRef idx="0">
+            <a:scrgbClr r="0" g="0" b="0"/>
+          </a:lnRef>
+          <a:fillRef idx="0">
+            <a:scrgbClr r="0" g="0" b="0"/>
+          </a:fillRef>
+          <a:effectRef idx="0">
+            <a:scrgbClr r="0" g="0" b="0"/>
+          </a:effectRef>
+          <a:fontRef idx="minor">
+            <a:schemeClr val="lt1"/>
+          </a:fontRef>
+        </p:style>
+        <p:txBody>
+          <a:bodyPr rtlCol="0" anchor="ctr"/>
+          <a:lstStyle/>
+          <a:p>
+            <a:pPr algn="ctr"/>
+            <a:endParaRPr lang="en-CA" dirty="0"/>
+          </a:p>
+        </p:txBody>
+      </p:sp>
+      <p:sp>
+        <p:nvSpPr>
+          <p:cNvPr id="37" name="Trapezoid 36">
+            <a:extLst>
+              <a:ext uri="{FF2B5EF4-FFF2-40B4-BE49-F238E27FC236}">
+                <a16:creationId xmlns:a16="http://schemas.microsoft.com/office/drawing/2014/main" id="{E7CCB946-C755-2FB1-627F-B17FC006848E}"/>
+              </a:ext>
+            </a:extLst>
+          </p:cNvPr>
+          <p:cNvSpPr/>
+          <p:nvPr/>
+        </p:nvSpPr>
+        <p:spPr>
+          <a:xfrm>
+            <a:off x="7072783" y="3669905"/>
+            <a:ext cx="2700000" cy="2520000"/>
+          </a:xfrm>
+          <a:prstGeom prst="trapezoid">
+            <a:avLst/>
+          </a:prstGeom>
+          <a:solidFill>
+            <a:srgbClr val="FF0000">
+              <a:alpha val="50000"/>
+            </a:srgbClr>
+          </a:solidFill>
+          <a:ln>
+            <a:noFill/>
+          </a:ln>
+        </p:spPr>
+        <p:style>
+          <a:lnRef idx="0">
+            <a:scrgbClr r="0" g="0" b="0"/>
+          </a:lnRef>
+          <a:fillRef idx="0">
+            <a:scrgbClr r="0" g="0" b="0"/>
+          </a:fillRef>
+          <a:effectRef idx="0">
+            <a:scrgbClr r="0" g="0" b="0"/>
+          </a:effectRef>
+          <a:fontRef idx="minor">
+            <a:schemeClr val="lt1"/>
+          </a:fontRef>
+        </p:style>
+        <p:txBody>
+          <a:bodyPr rtlCol="0" anchor="ctr"/>
+          <a:lstStyle/>
+          <a:p>
+            <a:pPr algn="ctr"/>
+            <a:endParaRPr lang="en-CA" dirty="0"/>
+          </a:p>
+        </p:txBody>
+      </p:sp>
+      <p:sp>
+        <p:nvSpPr>
+          <p:cNvPr id="2" name="TextBox 1">
+            <a:extLst>
+              <a:ext uri="{FF2B5EF4-FFF2-40B4-BE49-F238E27FC236}">
+                <a16:creationId xmlns:a16="http://schemas.microsoft.com/office/drawing/2014/main" id="{576A6E60-5AF0-3666-DB33-92702A672BE3}"/>
+              </a:ext>
+            </a:extLst>
+          </p:cNvPr>
+          <p:cNvSpPr txBox="1"/>
+          <p:nvPr/>
+        </p:nvSpPr>
+        <p:spPr>
+          <a:xfrm>
+            <a:off x="192505" y="272716"/>
+            <a:ext cx="3553327" cy="1754326"/>
+          </a:xfrm>
+          <a:prstGeom prst="rect">
+            <a:avLst/>
+          </a:prstGeom>
+          <a:noFill/>
+        </p:spPr>
+        <p:txBody>
+          <a:bodyPr wrap="square" rtlCol="0">
+            <a:spAutoFit/>
+          </a:bodyPr>
+          <a:lstStyle/>
+          <a:p>
+            <a:r>
+              <a:rPr lang="en-US" sz="3600" dirty="0"/>
+              <a:t>Section of the calibration tool using Small </a:t>
+            </a:r>
+            <a:r>
+              <a:rPr lang="en-US" sz="3600" dirty="0" err="1"/>
+              <a:t>Altiz</a:t>
+            </a:r>
+            <a:r>
+              <a:rPr lang="en-US" sz="3600" dirty="0"/>
+              <a:t> </a:t>
+            </a:r>
+            <a:endParaRPr lang="en-CA" sz="3600" dirty="0"/>
+          </a:p>
+        </p:txBody>
+      </p:sp>
+      <p:sp>
+        <p:nvSpPr>
+          <p:cNvPr id="3" name="TextBox 2">
+            <a:extLst>
+              <a:ext uri="{FF2B5EF4-FFF2-40B4-BE49-F238E27FC236}">
+                <a16:creationId xmlns:a16="http://schemas.microsoft.com/office/drawing/2014/main" id="{A6DDDD59-2A91-2A64-5A9B-299C855EDB7F}"/>
+              </a:ext>
+            </a:extLst>
+          </p:cNvPr>
+          <p:cNvSpPr txBox="1"/>
+          <p:nvPr/>
+        </p:nvSpPr>
+        <p:spPr>
+          <a:xfrm>
+            <a:off x="4254361" y="1422763"/>
+            <a:ext cx="1141423" cy="369332"/>
+          </a:xfrm>
+          <a:prstGeom prst="rect">
+            <a:avLst/>
+          </a:prstGeom>
+          <a:noFill/>
+        </p:spPr>
+        <p:txBody>
+          <a:bodyPr wrap="square" rtlCol="0">
+            <a:spAutoFit/>
+          </a:bodyPr>
+          <a:lstStyle/>
+          <a:p>
+            <a:r>
+              <a:rPr lang="en-CA" dirty="0"/>
+              <a:t>Main </a:t>
+            </a:r>
+            <a:r>
+              <a:rPr lang="en-CA" dirty="0" err="1"/>
+              <a:t>Altiz</a:t>
+            </a:r>
+            <a:endParaRPr lang="en-CA" dirty="0"/>
+          </a:p>
+        </p:txBody>
+      </p:sp>
+      <p:sp>
+        <p:nvSpPr>
+          <p:cNvPr id="4" name="TextBox 3">
+            <a:extLst>
+              <a:ext uri="{FF2B5EF4-FFF2-40B4-BE49-F238E27FC236}">
+                <a16:creationId xmlns:a16="http://schemas.microsoft.com/office/drawing/2014/main" id="{12E8FE1B-41C4-D596-F8F9-9C99EF89DD2D}"/>
+              </a:ext>
+            </a:extLst>
+          </p:cNvPr>
+          <p:cNvSpPr txBox="1"/>
+          <p:nvPr/>
+        </p:nvSpPr>
+        <p:spPr>
+          <a:xfrm>
+            <a:off x="6828686" y="1360979"/>
+            <a:ext cx="1343250" cy="369332"/>
+          </a:xfrm>
+          <a:prstGeom prst="rect">
+            <a:avLst/>
+          </a:prstGeom>
+          <a:noFill/>
+        </p:spPr>
+        <p:txBody>
+          <a:bodyPr wrap="square" rtlCol="0">
+            <a:spAutoFit/>
+          </a:bodyPr>
+          <a:lstStyle/>
+          <a:p>
+            <a:r>
+              <a:rPr lang="en-CA" dirty="0"/>
+              <a:t>Secondaries</a:t>
+            </a:r>
+          </a:p>
+        </p:txBody>
+      </p:sp>
+      <p:sp>
+        <p:nvSpPr>
+          <p:cNvPr id="13" name="Right Brace 12">
+            <a:extLst>
+              <a:ext uri="{FF2B5EF4-FFF2-40B4-BE49-F238E27FC236}">
+                <a16:creationId xmlns:a16="http://schemas.microsoft.com/office/drawing/2014/main" id="{D65175A3-04FE-9ED7-9782-1F0EA53B1AA2}"/>
+              </a:ext>
+            </a:extLst>
+          </p:cNvPr>
+          <p:cNvSpPr/>
+          <p:nvPr/>
+        </p:nvSpPr>
+        <p:spPr>
+          <a:xfrm rot="5400000">
+            <a:off x="7364628" y="502509"/>
+            <a:ext cx="345989" cy="1491048"/>
+          </a:xfrm>
+          <a:prstGeom prst="rightBrace">
+            <a:avLst>
+              <a:gd name="adj1" fmla="val 55952"/>
+              <a:gd name="adj2" fmla="val 50000"/>
+            </a:avLst>
+          </a:prstGeom>
+        </p:spPr>
+        <p:style>
+          <a:lnRef idx="1">
+            <a:schemeClr val="accent1"/>
+          </a:lnRef>
+          <a:fillRef idx="0">
+            <a:schemeClr val="accent1"/>
+          </a:fillRef>
+          <a:effectRef idx="0">
+            <a:schemeClr val="accent1"/>
+          </a:effectRef>
+          <a:fontRef idx="minor">
+            <a:schemeClr val="tx1"/>
+          </a:fontRef>
+        </p:style>
+        <p:txBody>
+          <a:bodyPr rtlCol="0" anchor="ctr"/>
+          <a:lstStyle/>
+          <a:p>
+            <a:pPr algn="ctr"/>
+            <a:endParaRPr lang="en-CA"/>
+          </a:p>
+        </p:txBody>
+      </p:sp>
+      <p:sp>
+        <p:nvSpPr>
+          <p:cNvPr id="5" name="Right Brace 4">
+            <a:extLst>
+              <a:ext uri="{FF2B5EF4-FFF2-40B4-BE49-F238E27FC236}">
+                <a16:creationId xmlns:a16="http://schemas.microsoft.com/office/drawing/2014/main" id="{22B20D4F-47B4-870F-20F8-64B690F002CB}"/>
+              </a:ext>
+            </a:extLst>
+          </p:cNvPr>
+          <p:cNvSpPr/>
+          <p:nvPr/>
+        </p:nvSpPr>
+        <p:spPr>
+          <a:xfrm rot="5400000">
+            <a:off x="4658496" y="902045"/>
+            <a:ext cx="345989" cy="700217"/>
+          </a:xfrm>
+          <a:prstGeom prst="rightBrace">
+            <a:avLst>
+              <a:gd name="adj1" fmla="val 28571"/>
+              <a:gd name="adj2" fmla="val 49999"/>
+            </a:avLst>
+          </a:prstGeom>
+        </p:spPr>
+        <p:style>
+          <a:lnRef idx="1">
+            <a:schemeClr val="accent1"/>
+          </a:lnRef>
+          <a:fillRef idx="0">
+            <a:schemeClr val="accent1"/>
+          </a:fillRef>
+          <a:effectRef idx="0">
+            <a:schemeClr val="accent1"/>
+          </a:effectRef>
+          <a:fontRef idx="minor">
+            <a:schemeClr val="tx1"/>
+          </a:fontRef>
+        </p:style>
+        <p:txBody>
+          <a:bodyPr rtlCol="0" anchor="ctr"/>
+          <a:lstStyle/>
+          <a:p>
+            <a:pPr algn="ctr"/>
+            <a:endParaRPr lang="en-CA"/>
+          </a:p>
+        </p:txBody>
+      </p:sp>
+    </p:spTree>
+    <p:extLst>
+      <p:ext uri="{BB962C8B-B14F-4D97-AF65-F5344CB8AC3E}">
+        <p14:creationId xmlns:p14="http://schemas.microsoft.com/office/powerpoint/2010/main" val="2338785383"/>
+      </p:ext>
+    </p:extLst>
+  </p:cSld>
+  <p:clrMapOvr>
+    <a:masterClrMapping/>
+  </p:clrMapOvr>
+</p:sld>
+</file>
+
+<file path=ppt/slides/slide25.xml><?xml version="1.0" encoding="utf-8"?>
+<p:sld xmlns:a="http://schemas.openxmlformats.org/drawingml/2006/main" xmlns:r="http://schemas.openxmlformats.org/officeDocument/2006/relationships" xmlns:p="http://schemas.openxmlformats.org/presentationml/2006/main">
+  <p:cSld>
+    <p:spTree>
+      <p:nvGrpSpPr>
+        <p:cNvPr id="1" name=""/>
+        <p:cNvGrpSpPr/>
+        <p:nvPr/>
+      </p:nvGrpSpPr>
+      <p:grpSpPr>
+        <a:xfrm>
+          <a:off x="0" y="0"/>
+          <a:ext cx="0" cy="0"/>
+          <a:chOff x="0" y="0"/>
+          <a:chExt cx="0" cy="0"/>
+        </a:xfrm>
+      </p:grpSpPr>
+      <p:sp>
+        <p:nvSpPr>
           <p:cNvPr id="2" name="Title 1">
             <a:extLst>
               <a:ext uri="{FF2B5EF4-FFF2-40B4-BE49-F238E27FC236}">
@@ -15660,7 +15878,7 @@
 </p:sld>
 </file>
 
-<file path=ppt/slides/slide25.xml><?xml version="1.0" encoding="utf-8"?>
+<file path=ppt/slides/slide26.xml><?xml version="1.0" encoding="utf-8"?>
 <p:sld xmlns:a="http://schemas.openxmlformats.org/drawingml/2006/main" xmlns:r="http://schemas.openxmlformats.org/officeDocument/2006/relationships" xmlns:p="http://schemas.openxmlformats.org/presentationml/2006/main">
   <p:cSld>
     <p:spTree>
@@ -15827,7 +16045,7 @@
 </p:sld>
 </file>
 
-<file path=ppt/slides/slide26.xml><?xml version="1.0" encoding="utf-8"?>
+<file path=ppt/slides/slide27.xml><?xml version="1.0" encoding="utf-8"?>
 <p:sld xmlns:a="http://schemas.openxmlformats.org/drawingml/2006/main" xmlns:r="http://schemas.openxmlformats.org/officeDocument/2006/relationships" xmlns:p="http://schemas.openxmlformats.org/presentationml/2006/main">
   <p:cSld>
     <p:spTree>
